--- a/docs/assets.pptx
+++ b/docs/assets.pptx
@@ -6,6 +6,7 @@
   </p:sldMasterIdLst>
   <p:sldIdLst>
     <p:sldId id="257" r:id="rId2"/>
+    <p:sldId id="258" r:id="rId3"/>
   </p:sldIdLst>
   <p:sldSz cx="12192000" cy="6858000"/>
   <p:notesSz cx="6858000" cy="9144000"/>
@@ -104,7 +105,265 @@
       </a:defRPr>
     </a:lvl9pPr>
   </p:defaultTextStyle>
+  <p:extLst>
+    <p:ext uri="{EFAFB233-063F-42B5-8137-9DF3F51BA10A}">
+      <p15:sldGuideLst xmlns:p15="http://schemas.microsoft.com/office/powerpoint/2012/main"/>
+    </p:ext>
+  </p:extLst>
 </p:presentation>
+</file>
+
+<file path=ppt/revisionInfo.xml><?xml version="1.0" encoding="utf-8"?>
+<p1510:revInfo xmlns:a="http://schemas.openxmlformats.org/drawingml/2006/main" xmlns:r="http://schemas.openxmlformats.org/officeDocument/2006/relationships" xmlns:p1510="http://schemas.microsoft.com/office/powerpoint/2015/10/main">
+  <p1510:revLst>
+    <p1510:client id="{F1090BDD-33D4-4611-9C7F-63E971FA2220}" v="37" dt="2023-05-05T21:12:45.663"/>
+  </p1510:revLst>
+</p1510:revInfo>
+</file>
+
+<file path=ppt/changesInfos/changesInfo1.xml><?xml version="1.0" encoding="utf-8"?>
+<pc:chgInfo xmlns:a="http://schemas.openxmlformats.org/drawingml/2006/main" xmlns:r="http://schemas.openxmlformats.org/officeDocument/2006/relationships" xmlns:ac="http://schemas.microsoft.com/office/drawing/2013/main/command" xmlns:pc="http://schemas.microsoft.com/office/powerpoint/2013/main/command">
+  <pc:docChgLst>
+    <pc:chgData name="박재민" userId="6e246547-9693-459d-93fb-5692f55f62eb" providerId="ADAL" clId="{F1090BDD-33D4-4611-9C7F-63E971FA2220}"/>
+    <pc:docChg chg="undo custSel addSld modSld">
+      <pc:chgData name="박재민" userId="6e246547-9693-459d-93fb-5692f55f62eb" providerId="ADAL" clId="{F1090BDD-33D4-4611-9C7F-63E971FA2220}" dt="2023-05-05T21:12:45.663" v="109" actId="164"/>
+      <pc:docMkLst>
+        <pc:docMk/>
+      </pc:docMkLst>
+      <pc:sldChg chg="addSp delSp modSp new mod">
+        <pc:chgData name="박재민" userId="6e246547-9693-459d-93fb-5692f55f62eb" providerId="ADAL" clId="{F1090BDD-33D4-4611-9C7F-63E971FA2220}" dt="2023-05-05T21:12:45.663" v="109" actId="164"/>
+        <pc:sldMkLst>
+          <pc:docMk/>
+          <pc:sldMk cId="832173681" sldId="258"/>
+        </pc:sldMkLst>
+        <pc:spChg chg="add mod topLvl">
+          <ac:chgData name="박재민" userId="6e246547-9693-459d-93fb-5692f55f62eb" providerId="ADAL" clId="{F1090BDD-33D4-4611-9C7F-63E971FA2220}" dt="2023-05-05T21:12:45.663" v="109" actId="164"/>
+          <ac:spMkLst>
+            <pc:docMk/>
+            <pc:sldMk cId="832173681" sldId="258"/>
+            <ac:spMk id="2" creationId="{29459A1C-F232-40FC-3970-ADEA5F752002}"/>
+          </ac:spMkLst>
+        </pc:spChg>
+        <pc:spChg chg="add del">
+          <ac:chgData name="박재민" userId="6e246547-9693-459d-93fb-5692f55f62eb" providerId="ADAL" clId="{F1090BDD-33D4-4611-9C7F-63E971FA2220}" dt="2023-05-05T20:57:02.645" v="35" actId="11529"/>
+          <ac:spMkLst>
+            <pc:docMk/>
+            <pc:sldMk cId="832173681" sldId="258"/>
+            <ac:spMk id="3" creationId="{DA277D1D-2B3A-05FE-F1E3-8E3828A8D708}"/>
+          </ac:spMkLst>
+        </pc:spChg>
+        <pc:spChg chg="add mod topLvl">
+          <ac:chgData name="박재민" userId="6e246547-9693-459d-93fb-5692f55f62eb" providerId="ADAL" clId="{F1090BDD-33D4-4611-9C7F-63E971FA2220}" dt="2023-05-05T21:12:45.663" v="109" actId="164"/>
+          <ac:spMkLst>
+            <pc:docMk/>
+            <pc:sldMk cId="832173681" sldId="258"/>
+            <ac:spMk id="4" creationId="{733A26BF-8D22-C368-F53C-123E47E13914}"/>
+          </ac:spMkLst>
+        </pc:spChg>
+        <pc:spChg chg="add mod topLvl">
+          <ac:chgData name="박재민" userId="6e246547-9693-459d-93fb-5692f55f62eb" providerId="ADAL" clId="{F1090BDD-33D4-4611-9C7F-63E971FA2220}" dt="2023-05-05T21:12:45.663" v="109" actId="164"/>
+          <ac:spMkLst>
+            <pc:docMk/>
+            <pc:sldMk cId="832173681" sldId="258"/>
+            <ac:spMk id="5" creationId="{CE87304B-A34C-6E44-4402-686233B353E1}"/>
+          </ac:spMkLst>
+        </pc:spChg>
+        <pc:spChg chg="add mod topLvl">
+          <ac:chgData name="박재민" userId="6e246547-9693-459d-93fb-5692f55f62eb" providerId="ADAL" clId="{F1090BDD-33D4-4611-9C7F-63E971FA2220}" dt="2023-05-05T21:12:45.663" v="109" actId="164"/>
+          <ac:spMkLst>
+            <pc:docMk/>
+            <pc:sldMk cId="832173681" sldId="258"/>
+            <ac:spMk id="6" creationId="{1F1DAC99-0214-10EE-E373-5ECE82EC8A27}"/>
+          </ac:spMkLst>
+        </pc:spChg>
+        <pc:spChg chg="add del mod">
+          <ac:chgData name="박재민" userId="6e246547-9693-459d-93fb-5692f55f62eb" providerId="ADAL" clId="{F1090BDD-33D4-4611-9C7F-63E971FA2220}" dt="2023-05-05T20:59:13.292" v="51"/>
+          <ac:spMkLst>
+            <pc:docMk/>
+            <pc:sldMk cId="832173681" sldId="258"/>
+            <ac:spMk id="7" creationId="{594692A6-9CE5-EC17-9289-2F580EE8F88D}"/>
+          </ac:spMkLst>
+        </pc:spChg>
+        <pc:spChg chg="add del mod">
+          <ac:chgData name="박재민" userId="6e246547-9693-459d-93fb-5692f55f62eb" providerId="ADAL" clId="{F1090BDD-33D4-4611-9C7F-63E971FA2220}" dt="2023-05-05T21:12:02.464" v="98" actId="11529"/>
+          <ac:spMkLst>
+            <pc:docMk/>
+            <pc:sldMk cId="832173681" sldId="258"/>
+            <ac:spMk id="7" creationId="{86A0EAEC-C98C-0646-6858-90E8D5A0D4CA}"/>
+          </ac:spMkLst>
+        </pc:spChg>
+        <pc:spChg chg="add del mod">
+          <ac:chgData name="박재민" userId="6e246547-9693-459d-93fb-5692f55f62eb" providerId="ADAL" clId="{F1090BDD-33D4-4611-9C7F-63E971FA2220}" dt="2023-05-05T20:59:13.292" v="51"/>
+          <ac:spMkLst>
+            <pc:docMk/>
+            <pc:sldMk cId="832173681" sldId="258"/>
+            <ac:spMk id="8" creationId="{0D72EFD2-CF48-0BFB-8863-A1AECC1F53A3}"/>
+          </ac:spMkLst>
+        </pc:spChg>
+        <pc:spChg chg="add mod ord">
+          <ac:chgData name="박재민" userId="6e246547-9693-459d-93fb-5692f55f62eb" providerId="ADAL" clId="{F1090BDD-33D4-4611-9C7F-63E971FA2220}" dt="2023-05-05T21:12:45.663" v="109" actId="164"/>
+          <ac:spMkLst>
+            <pc:docMk/>
+            <pc:sldMk cId="832173681" sldId="258"/>
+            <ac:spMk id="8" creationId="{9C539E6B-FF63-6FF6-CDD5-0F45B3B50FCA}"/>
+          </ac:spMkLst>
+        </pc:spChg>
+        <pc:spChg chg="add del mod">
+          <ac:chgData name="박재민" userId="6e246547-9693-459d-93fb-5692f55f62eb" providerId="ADAL" clId="{F1090BDD-33D4-4611-9C7F-63E971FA2220}" dt="2023-05-05T20:59:13.292" v="51"/>
+          <ac:spMkLst>
+            <pc:docMk/>
+            <pc:sldMk cId="832173681" sldId="258"/>
+            <ac:spMk id="9" creationId="{D21107EF-B36E-20BB-DA23-2DFD4B67D174}"/>
+          </ac:spMkLst>
+        </pc:spChg>
+        <pc:spChg chg="add del mod">
+          <ac:chgData name="박재민" userId="6e246547-9693-459d-93fb-5692f55f62eb" providerId="ADAL" clId="{F1090BDD-33D4-4611-9C7F-63E971FA2220}" dt="2023-05-05T20:59:13.292" v="51"/>
+          <ac:spMkLst>
+            <pc:docMk/>
+            <pc:sldMk cId="832173681" sldId="258"/>
+            <ac:spMk id="10" creationId="{D4FE3DFE-AC48-641D-10A5-BF3BBE75DE5D}"/>
+          </ac:spMkLst>
+        </pc:spChg>
+        <pc:spChg chg="add mod topLvl">
+          <ac:chgData name="박재민" userId="6e246547-9693-459d-93fb-5692f55f62eb" providerId="ADAL" clId="{F1090BDD-33D4-4611-9C7F-63E971FA2220}" dt="2023-05-05T21:12:45.663" v="109" actId="164"/>
+          <ac:spMkLst>
+            <pc:docMk/>
+            <pc:sldMk cId="832173681" sldId="258"/>
+            <ac:spMk id="11" creationId="{66BF96DD-2868-98F7-68C9-E42DB68BBAA3}"/>
+          </ac:spMkLst>
+        </pc:spChg>
+        <pc:spChg chg="add mod topLvl">
+          <ac:chgData name="박재민" userId="6e246547-9693-459d-93fb-5692f55f62eb" providerId="ADAL" clId="{F1090BDD-33D4-4611-9C7F-63E971FA2220}" dt="2023-05-05T21:12:45.663" v="109" actId="164"/>
+          <ac:spMkLst>
+            <pc:docMk/>
+            <pc:sldMk cId="832173681" sldId="258"/>
+            <ac:spMk id="12" creationId="{F28A4958-7BCB-DE0C-B378-461A42D10B9A}"/>
+          </ac:spMkLst>
+        </pc:spChg>
+        <pc:spChg chg="add mod topLvl">
+          <ac:chgData name="박재민" userId="6e246547-9693-459d-93fb-5692f55f62eb" providerId="ADAL" clId="{F1090BDD-33D4-4611-9C7F-63E971FA2220}" dt="2023-05-05T21:12:45.663" v="109" actId="164"/>
+          <ac:spMkLst>
+            <pc:docMk/>
+            <pc:sldMk cId="832173681" sldId="258"/>
+            <ac:spMk id="13" creationId="{F19A6C09-A5CA-831B-B191-555D4DBB6961}"/>
+          </ac:spMkLst>
+        </pc:spChg>
+        <pc:spChg chg="add del mod">
+          <ac:chgData name="박재민" userId="6e246547-9693-459d-93fb-5692f55f62eb" providerId="ADAL" clId="{F1090BDD-33D4-4611-9C7F-63E971FA2220}" dt="2023-05-05T20:59:19.498" v="53" actId="478"/>
+          <ac:spMkLst>
+            <pc:docMk/>
+            <pc:sldMk cId="832173681" sldId="258"/>
+            <ac:spMk id="14" creationId="{986F04BE-2768-C3D8-11FD-BEC4F3C1E264}"/>
+          </ac:spMkLst>
+        </pc:spChg>
+        <pc:spChg chg="add mod topLvl">
+          <ac:chgData name="박재민" userId="6e246547-9693-459d-93fb-5692f55f62eb" providerId="ADAL" clId="{F1090BDD-33D4-4611-9C7F-63E971FA2220}" dt="2023-05-05T21:12:45.663" v="109" actId="164"/>
+          <ac:spMkLst>
+            <pc:docMk/>
+            <pc:sldMk cId="832173681" sldId="258"/>
+            <ac:spMk id="15" creationId="{34D81A74-6136-A0E7-FB69-6A7858EC734F}"/>
+          </ac:spMkLst>
+        </pc:spChg>
+        <pc:spChg chg="add del mod">
+          <ac:chgData name="박재민" userId="6e246547-9693-459d-93fb-5692f55f62eb" providerId="ADAL" clId="{F1090BDD-33D4-4611-9C7F-63E971FA2220}" dt="2023-05-05T21:00:17.027" v="71"/>
+          <ac:spMkLst>
+            <pc:docMk/>
+            <pc:sldMk cId="832173681" sldId="258"/>
+            <ac:spMk id="16" creationId="{DAAA93AE-4D26-1994-9BED-405D45E9998D}"/>
+          </ac:spMkLst>
+        </pc:spChg>
+        <pc:spChg chg="add mod topLvl">
+          <ac:chgData name="박재민" userId="6e246547-9693-459d-93fb-5692f55f62eb" providerId="ADAL" clId="{F1090BDD-33D4-4611-9C7F-63E971FA2220}" dt="2023-05-05T21:12:45.663" v="109" actId="164"/>
+          <ac:spMkLst>
+            <pc:docMk/>
+            <pc:sldMk cId="832173681" sldId="258"/>
+            <ac:spMk id="17" creationId="{51CCF2FA-8F6C-F345-3845-791716426BA9}"/>
+          </ac:spMkLst>
+        </pc:spChg>
+        <pc:spChg chg="add del mod ord topLvl">
+          <ac:chgData name="박재민" userId="6e246547-9693-459d-93fb-5692f55f62eb" providerId="ADAL" clId="{F1090BDD-33D4-4611-9C7F-63E971FA2220}" dt="2023-05-05T21:12:14.790" v="103" actId="478"/>
+          <ac:spMkLst>
+            <pc:docMk/>
+            <pc:sldMk cId="832173681" sldId="258"/>
+            <ac:spMk id="24" creationId="{362DF11C-137C-2449-B83E-1DFDBD534209}"/>
+          </ac:spMkLst>
+        </pc:spChg>
+        <pc:spChg chg="add del mod">
+          <ac:chgData name="박재민" userId="6e246547-9693-459d-93fb-5692f55f62eb" providerId="ADAL" clId="{F1090BDD-33D4-4611-9C7F-63E971FA2220}" dt="2023-05-05T21:01:52.337" v="89"/>
+          <ac:spMkLst>
+            <pc:docMk/>
+            <pc:sldMk cId="832173681" sldId="258"/>
+            <ac:spMk id="25" creationId="{523AB797-BF76-2050-7545-A675C6A0713B}"/>
+          </ac:spMkLst>
+        </pc:spChg>
+        <pc:spChg chg="add del mod ord topLvl">
+          <ac:chgData name="박재민" userId="6e246547-9693-459d-93fb-5692f55f62eb" providerId="ADAL" clId="{F1090BDD-33D4-4611-9C7F-63E971FA2220}" dt="2023-05-05T21:12:15.378" v="104" actId="478"/>
+          <ac:spMkLst>
+            <pc:docMk/>
+            <pc:sldMk cId="832173681" sldId="258"/>
+            <ac:spMk id="26" creationId="{7D11053F-D969-05C4-4170-F094B176CDDA}"/>
+          </ac:spMkLst>
+        </pc:spChg>
+        <pc:grpChg chg="add del mod">
+          <ac:chgData name="박재민" userId="6e246547-9693-459d-93fb-5692f55f62eb" providerId="ADAL" clId="{F1090BDD-33D4-4611-9C7F-63E971FA2220}" dt="2023-05-05T21:12:07.056" v="99" actId="165"/>
+          <ac:grpSpMkLst>
+            <pc:docMk/>
+            <pc:sldMk cId="832173681" sldId="258"/>
+            <ac:grpSpMk id="3" creationId="{DDB221CA-D698-8C56-B472-2141488006D3}"/>
+          </ac:grpSpMkLst>
+        </pc:grpChg>
+        <pc:grpChg chg="add mod">
+          <ac:chgData name="박재민" userId="6e246547-9693-459d-93fb-5692f55f62eb" providerId="ADAL" clId="{F1090BDD-33D4-4611-9C7F-63E971FA2220}" dt="2023-05-05T21:12:45.663" v="109" actId="164"/>
+          <ac:grpSpMkLst>
+            <pc:docMk/>
+            <pc:sldMk cId="832173681" sldId="258"/>
+            <ac:grpSpMk id="9" creationId="{9F912036-BE20-9C52-22AC-B845AF78A475}"/>
+          </ac:grpSpMkLst>
+        </pc:grpChg>
+        <pc:grpChg chg="add del mod topLvl">
+          <ac:chgData name="박재민" userId="6e246547-9693-459d-93fb-5692f55f62eb" providerId="ADAL" clId="{F1090BDD-33D4-4611-9C7F-63E971FA2220}" dt="2023-05-05T21:12:13.060" v="102" actId="165"/>
+          <ac:grpSpMkLst>
+            <pc:docMk/>
+            <pc:sldMk cId="832173681" sldId="258"/>
+            <ac:grpSpMk id="27" creationId="{FDF6DD9C-8F56-045A-D017-4BA86ECEAD13}"/>
+          </ac:grpSpMkLst>
+        </pc:grpChg>
+        <pc:grpChg chg="add del mod">
+          <ac:chgData name="박재민" userId="6e246547-9693-459d-93fb-5692f55f62eb" providerId="ADAL" clId="{F1090BDD-33D4-4611-9C7F-63E971FA2220}" dt="2023-05-05T21:12:07.056" v="99" actId="165"/>
+          <ac:grpSpMkLst>
+            <pc:docMk/>
+            <pc:sldMk cId="832173681" sldId="258"/>
+            <ac:grpSpMk id="28" creationId="{3FDCF751-6CCA-A1A6-B0DF-650C98CC30E9}"/>
+          </ac:grpSpMkLst>
+        </pc:grpChg>
+        <pc:cxnChg chg="add mod topLvl">
+          <ac:chgData name="박재민" userId="6e246547-9693-459d-93fb-5692f55f62eb" providerId="ADAL" clId="{F1090BDD-33D4-4611-9C7F-63E971FA2220}" dt="2023-05-05T21:12:45.663" v="109" actId="164"/>
+          <ac:cxnSpMkLst>
+            <pc:docMk/>
+            <pc:sldMk cId="832173681" sldId="258"/>
+            <ac:cxnSpMk id="19" creationId="{61EF5F29-FAB9-5311-EB17-E8D102299439}"/>
+          </ac:cxnSpMkLst>
+        </pc:cxnChg>
+        <pc:cxnChg chg="add mod topLvl">
+          <ac:chgData name="박재민" userId="6e246547-9693-459d-93fb-5692f55f62eb" providerId="ADAL" clId="{F1090BDD-33D4-4611-9C7F-63E971FA2220}" dt="2023-05-05T21:12:45.663" v="109" actId="164"/>
+          <ac:cxnSpMkLst>
+            <pc:docMk/>
+            <pc:sldMk cId="832173681" sldId="258"/>
+            <ac:cxnSpMk id="21" creationId="{D40E2E5B-F3DF-1727-509F-B717AC44F580}"/>
+          </ac:cxnSpMkLst>
+        </pc:cxnChg>
+        <pc:cxnChg chg="add mod topLvl">
+          <ac:chgData name="박재민" userId="6e246547-9693-459d-93fb-5692f55f62eb" providerId="ADAL" clId="{F1090BDD-33D4-4611-9C7F-63E971FA2220}" dt="2023-05-05T21:12:45.663" v="109" actId="164"/>
+          <ac:cxnSpMkLst>
+            <pc:docMk/>
+            <pc:sldMk cId="832173681" sldId="258"/>
+            <ac:cxnSpMk id="23" creationId="{C9F219EE-D2AA-6ACA-AE83-F48579A96965}"/>
+          </ac:cxnSpMkLst>
+        </pc:cxnChg>
+      </pc:sldChg>
+    </pc:docChg>
+  </pc:docChgLst>
+</pc:chgInfo>
 </file>
 
 <file path=ppt/slideLayouts/slideLayout1.xml><?xml version="1.0" encoding="utf-8"?>
@@ -254,7 +513,7 @@
           <a:p>
             <a:fld id="{01E7E064-7B34-44A7-B06C-5CD6DE601FAC}" type="datetimeFigureOut">
               <a:rPr lang="ko-KR" altLang="en-US" smtClean="0"/>
-              <a:t>2023-05-02</a:t>
+              <a:t>2023-05-06</a:t>
             </a:fld>
             <a:endParaRPr lang="ko-KR" altLang="en-US"/>
           </a:p>
@@ -452,7 +711,7 @@
           <a:p>
             <a:fld id="{01E7E064-7B34-44A7-B06C-5CD6DE601FAC}" type="datetimeFigureOut">
               <a:rPr lang="ko-KR" altLang="en-US" smtClean="0"/>
-              <a:t>2023-05-02</a:t>
+              <a:t>2023-05-06</a:t>
             </a:fld>
             <a:endParaRPr lang="ko-KR" altLang="en-US"/>
           </a:p>
@@ -660,7 +919,7 @@
           <a:p>
             <a:fld id="{01E7E064-7B34-44A7-B06C-5CD6DE601FAC}" type="datetimeFigureOut">
               <a:rPr lang="ko-KR" altLang="en-US" smtClean="0"/>
-              <a:t>2023-05-02</a:t>
+              <a:t>2023-05-06</a:t>
             </a:fld>
             <a:endParaRPr lang="ko-KR" altLang="en-US"/>
           </a:p>
@@ -858,7 +1117,7 @@
           <a:p>
             <a:fld id="{01E7E064-7B34-44A7-B06C-5CD6DE601FAC}" type="datetimeFigureOut">
               <a:rPr lang="ko-KR" altLang="en-US" smtClean="0"/>
-              <a:t>2023-05-02</a:t>
+              <a:t>2023-05-06</a:t>
             </a:fld>
             <a:endParaRPr lang="ko-KR" altLang="en-US"/>
           </a:p>
@@ -1133,7 +1392,7 @@
           <a:p>
             <a:fld id="{01E7E064-7B34-44A7-B06C-5CD6DE601FAC}" type="datetimeFigureOut">
               <a:rPr lang="ko-KR" altLang="en-US" smtClean="0"/>
-              <a:t>2023-05-02</a:t>
+              <a:t>2023-05-06</a:t>
             </a:fld>
             <a:endParaRPr lang="ko-KR" altLang="en-US"/>
           </a:p>
@@ -1398,7 +1657,7 @@
           <a:p>
             <a:fld id="{01E7E064-7B34-44A7-B06C-5CD6DE601FAC}" type="datetimeFigureOut">
               <a:rPr lang="ko-KR" altLang="en-US" smtClean="0"/>
-              <a:t>2023-05-02</a:t>
+              <a:t>2023-05-06</a:t>
             </a:fld>
             <a:endParaRPr lang="ko-KR" altLang="en-US"/>
           </a:p>
@@ -1810,7 +2069,7 @@
           <a:p>
             <a:fld id="{01E7E064-7B34-44A7-B06C-5CD6DE601FAC}" type="datetimeFigureOut">
               <a:rPr lang="ko-KR" altLang="en-US" smtClean="0"/>
-              <a:t>2023-05-02</a:t>
+              <a:t>2023-05-06</a:t>
             </a:fld>
             <a:endParaRPr lang="ko-KR" altLang="en-US"/>
           </a:p>
@@ -1951,7 +2210,7 @@
           <a:p>
             <a:fld id="{01E7E064-7B34-44A7-B06C-5CD6DE601FAC}" type="datetimeFigureOut">
               <a:rPr lang="ko-KR" altLang="en-US" smtClean="0"/>
-              <a:t>2023-05-02</a:t>
+              <a:t>2023-05-06</a:t>
             </a:fld>
             <a:endParaRPr lang="ko-KR" altLang="en-US"/>
           </a:p>
@@ -2064,7 +2323,7 @@
           <a:p>
             <a:fld id="{01E7E064-7B34-44A7-B06C-5CD6DE601FAC}" type="datetimeFigureOut">
               <a:rPr lang="ko-KR" altLang="en-US" smtClean="0"/>
-              <a:t>2023-05-02</a:t>
+              <a:t>2023-05-06</a:t>
             </a:fld>
             <a:endParaRPr lang="ko-KR" altLang="en-US"/>
           </a:p>
@@ -2375,7 +2634,7 @@
           <a:p>
             <a:fld id="{01E7E064-7B34-44A7-B06C-5CD6DE601FAC}" type="datetimeFigureOut">
               <a:rPr lang="ko-KR" altLang="en-US" smtClean="0"/>
-              <a:t>2023-05-02</a:t>
+              <a:t>2023-05-06</a:t>
             </a:fld>
             <a:endParaRPr lang="ko-KR" altLang="en-US"/>
           </a:p>
@@ -2663,7 +2922,7 @@
           <a:p>
             <a:fld id="{01E7E064-7B34-44A7-B06C-5CD6DE601FAC}" type="datetimeFigureOut">
               <a:rPr lang="ko-KR" altLang="en-US" smtClean="0"/>
-              <a:t>2023-05-02</a:t>
+              <a:t>2023-05-06</a:t>
             </a:fld>
             <a:endParaRPr lang="ko-KR" altLang="en-US"/>
           </a:p>
@@ -2904,7 +3163,7 @@
           <a:p>
             <a:fld id="{01E7E064-7B34-44A7-B06C-5CD6DE601FAC}" type="datetimeFigureOut">
               <a:rPr lang="ko-KR" altLang="en-US" smtClean="0"/>
-              <a:t>2023-05-02</a:t>
+              <a:t>2023-05-06</a:t>
             </a:fld>
             <a:endParaRPr lang="ko-KR" altLang="en-US"/>
           </a:p>
@@ -6570,6 +6829,1346 @@
 </p:sld>
 </file>
 
+<file path=ppt/slides/slide2.xml><?xml version="1.0" encoding="utf-8"?>
+<p:sld xmlns:a="http://schemas.openxmlformats.org/drawingml/2006/main" xmlns:r="http://schemas.openxmlformats.org/officeDocument/2006/relationships" xmlns:p="http://schemas.openxmlformats.org/presentationml/2006/main">
+  <p:cSld>
+    <p:spTree>
+      <p:nvGrpSpPr>
+        <p:cNvPr id="1" name=""/>
+        <p:cNvGrpSpPr/>
+        <p:nvPr/>
+      </p:nvGrpSpPr>
+      <p:grpSpPr>
+        <a:xfrm>
+          <a:off x="0" y="0"/>
+          <a:ext cx="0" cy="0"/>
+          <a:chOff x="0" y="0"/>
+          <a:chExt cx="0" cy="0"/>
+        </a:xfrm>
+      </p:grpSpPr>
+      <p:grpSp>
+        <p:nvGrpSpPr>
+          <p:cNvPr id="9" name="그룹 8">
+            <a:extLst>
+              <a:ext uri="{FF2B5EF4-FFF2-40B4-BE49-F238E27FC236}">
+                <a16:creationId xmlns:a16="http://schemas.microsoft.com/office/drawing/2014/main" id="{9F912036-BE20-9C52-22AC-B845AF78A475}"/>
+              </a:ext>
+            </a:extLst>
+          </p:cNvPr>
+          <p:cNvGrpSpPr/>
+          <p:nvPr/>
+        </p:nvGrpSpPr>
+        <p:grpSpPr>
+          <a:xfrm>
+            <a:off x="377688" y="1329489"/>
+            <a:ext cx="10234165" cy="6012214"/>
+            <a:chOff x="377688" y="1329489"/>
+            <a:chExt cx="10234165" cy="6012214"/>
+          </a:xfrm>
+        </p:grpSpPr>
+        <p:sp>
+          <p:nvSpPr>
+            <p:cNvPr id="8" name="직사각형 7">
+              <a:extLst>
+                <a:ext uri="{FF2B5EF4-FFF2-40B4-BE49-F238E27FC236}">
+                  <a16:creationId xmlns:a16="http://schemas.microsoft.com/office/drawing/2014/main" id="{9C539E6B-FF63-6FF6-CDD5-0F45B3B50FCA}"/>
+                </a:ext>
+              </a:extLst>
+            </p:cNvPr>
+            <p:cNvSpPr/>
+            <p:nvPr/>
+          </p:nvSpPr>
+          <p:spPr>
+            <a:xfrm>
+              <a:off x="1022684" y="1329489"/>
+              <a:ext cx="9589169" cy="3977832"/>
+            </a:xfrm>
+            <a:prstGeom prst="rect">
+              <a:avLst/>
+            </a:prstGeom>
+            <a:solidFill>
+              <a:schemeClr val="bg1"/>
+            </a:solidFill>
+            <a:ln>
+              <a:noFill/>
+            </a:ln>
+          </p:spPr>
+          <p:style>
+            <a:lnRef idx="2">
+              <a:schemeClr val="accent1">
+                <a:shade val="50000"/>
+              </a:schemeClr>
+            </a:lnRef>
+            <a:fillRef idx="1">
+              <a:schemeClr val="accent1"/>
+            </a:fillRef>
+            <a:effectRef idx="0">
+              <a:schemeClr val="accent1"/>
+            </a:effectRef>
+            <a:fontRef idx="minor">
+              <a:schemeClr val="lt1"/>
+            </a:fontRef>
+          </p:style>
+          <p:txBody>
+            <a:bodyPr rtlCol="0" anchor="ctr"/>
+            <a:lstStyle/>
+            <a:p>
+              <a:pPr algn="ctr"/>
+              <a:endParaRPr lang="ko-KR" altLang="en-US"/>
+            </a:p>
+          </p:txBody>
+        </p:sp>
+        <mc:AlternateContent xmlns:mc="http://schemas.openxmlformats.org/markup-compatibility/2006">
+          <mc:Choice xmlns:a14="http://schemas.microsoft.com/office/drawing/2010/main" Requires="a14">
+            <p:sp>
+              <p:nvSpPr>
+                <p:cNvPr id="11" name="타원 10">
+                  <a:extLst>
+                    <a:ext uri="{FF2B5EF4-FFF2-40B4-BE49-F238E27FC236}">
+                      <a16:creationId xmlns:a16="http://schemas.microsoft.com/office/drawing/2014/main" id="{66BF96DD-2868-98F7-68C9-E42DB68BBAA3}"/>
+                    </a:ext>
+                  </a:extLst>
+                </p:cNvPr>
+                <p:cNvSpPr/>
+                <p:nvPr/>
+              </p:nvSpPr>
+              <p:spPr>
+                <a:xfrm>
+                  <a:off x="2952969" y="4572175"/>
+                  <a:ext cx="505849" cy="505849"/>
+                </a:xfrm>
+                <a:prstGeom prst="ellipse">
+                  <a:avLst/>
+                </a:prstGeom>
+                <a:noFill/>
+                <a:ln w="25400">
+                  <a:solidFill>
+                    <a:schemeClr val="tx1"/>
+                  </a:solidFill>
+                </a:ln>
+              </p:spPr>
+              <p:style>
+                <a:lnRef idx="2">
+                  <a:schemeClr val="accent1">
+                    <a:shade val="50000"/>
+                  </a:schemeClr>
+                </a:lnRef>
+                <a:fillRef idx="1">
+                  <a:schemeClr val="accent1"/>
+                </a:fillRef>
+                <a:effectRef idx="0">
+                  <a:schemeClr val="accent1"/>
+                </a:effectRef>
+                <a:fontRef idx="minor">
+                  <a:schemeClr val="lt1"/>
+                </a:fontRef>
+              </p:style>
+              <p:txBody>
+                <a:bodyPr rtlCol="0" anchor="ctr"/>
+                <a:lstStyle/>
+                <a:p>
+                  <a:pPr algn="ctr"/>
+                  <a14:m>
+                    <m:oMathPara xmlns:m="http://schemas.openxmlformats.org/officeDocument/2006/math">
+                      <m:oMathParaPr>
+                        <m:jc m:val="center"/>
+                      </m:oMathParaPr>
+                      <m:oMath xmlns:m="http://schemas.openxmlformats.org/officeDocument/2006/math">
+                        <m:r>
+                          <a:rPr lang="en-US" altLang="ko-KR" b="0" i="1" smtClean="0">
+                            <a:solidFill>
+                              <a:schemeClr val="tx1"/>
+                            </a:solidFill>
+                            <a:latin typeface="Cambria Math" panose="02040503050406030204" pitchFamily="18" charset="0"/>
+                          </a:rPr>
+                          <m:t>  </m:t>
+                        </m:r>
+                        <m:sSub>
+                          <m:sSubPr>
+                            <m:ctrlPr>
+                              <a:rPr lang="en-US" altLang="ko-KR" b="0" i="1" smtClean="0">
+                                <a:solidFill>
+                                  <a:schemeClr val="tx1"/>
+                                </a:solidFill>
+                                <a:latin typeface="Cambria Math" panose="02040503050406030204" pitchFamily="18" charset="0"/>
+                              </a:rPr>
+                            </m:ctrlPr>
+                          </m:sSubPr>
+                          <m:e>
+                            <m:r>
+                              <a:rPr lang="en-US" altLang="ko-KR" b="0" i="1" smtClean="0">
+                                <a:solidFill>
+                                  <a:schemeClr val="tx1"/>
+                                </a:solidFill>
+                                <a:latin typeface="Cambria Math" panose="02040503050406030204" pitchFamily="18" charset="0"/>
+                              </a:rPr>
+                              <m:t>𝑋</m:t>
+                            </m:r>
+                          </m:e>
+                          <m:sub>
+                            <m:r>
+                              <a:rPr lang="en-US" altLang="ko-KR" b="0" i="1" smtClean="0">
+                                <a:solidFill>
+                                  <a:schemeClr val="tx1"/>
+                                </a:solidFill>
+                                <a:latin typeface="Cambria Math" panose="02040503050406030204" pitchFamily="18" charset="0"/>
+                              </a:rPr>
+                              <m:t>𝑘</m:t>
+                            </m:r>
+                          </m:sub>
+                        </m:sSub>
+                      </m:oMath>
+                    </m:oMathPara>
+                  </a14:m>
+                  <a:endParaRPr lang="ko-KR" altLang="en-US" dirty="0">
+                    <a:solidFill>
+                      <a:schemeClr val="tx1"/>
+                    </a:solidFill>
+                  </a:endParaRPr>
+                </a:p>
+              </p:txBody>
+            </p:sp>
+          </mc:Choice>
+          <mc:Fallback>
+            <p:sp>
+              <p:nvSpPr>
+                <p:cNvPr id="11" name="타원 10">
+                  <a:extLst>
+                    <a:ext uri="{FF2B5EF4-FFF2-40B4-BE49-F238E27FC236}">
+                      <a16:creationId xmlns:a16="http://schemas.microsoft.com/office/drawing/2014/main" id="{66BF96DD-2868-98F7-68C9-E42DB68BBAA3}"/>
+                    </a:ext>
+                  </a:extLst>
+                </p:cNvPr>
+                <p:cNvSpPr>
+                  <a:spLocks noRot="1" noChangeAspect="1" noMove="1" noResize="1" noEditPoints="1" noAdjustHandles="1" noChangeArrowheads="1" noChangeShapeType="1" noTextEdit="1"/>
+                </p:cNvSpPr>
+                <p:nvPr/>
+              </p:nvSpPr>
+              <p:spPr>
+                <a:xfrm>
+                  <a:off x="2952969" y="4572175"/>
+                  <a:ext cx="505849" cy="505849"/>
+                </a:xfrm>
+                <a:prstGeom prst="ellipse">
+                  <a:avLst/>
+                </a:prstGeom>
+                <a:blipFill>
+                  <a:blip r:embed="rId2"/>
+                  <a:stretch>
+                    <a:fillRect/>
+                  </a:stretch>
+                </a:blipFill>
+                <a:ln w="25400">
+                  <a:solidFill>
+                    <a:schemeClr val="tx1"/>
+                  </a:solidFill>
+                </a:ln>
+              </p:spPr>
+              <p:txBody>
+                <a:bodyPr/>
+                <a:lstStyle/>
+                <a:p>
+                  <a:r>
+                    <a:rPr lang="ko-KR" altLang="en-US">
+                      <a:noFill/>
+                    </a:rPr>
+                    <a:t> </a:t>
+                  </a:r>
+                </a:p>
+              </p:txBody>
+            </p:sp>
+          </mc:Fallback>
+        </mc:AlternateContent>
+        <mc:AlternateContent xmlns:mc="http://schemas.openxmlformats.org/markup-compatibility/2006">
+          <mc:Choice xmlns:a14="http://schemas.microsoft.com/office/drawing/2010/main" Requires="a14">
+            <p:sp>
+              <p:nvSpPr>
+                <p:cNvPr id="12" name="타원 11">
+                  <a:extLst>
+                    <a:ext uri="{FF2B5EF4-FFF2-40B4-BE49-F238E27FC236}">
+                      <a16:creationId xmlns:a16="http://schemas.microsoft.com/office/drawing/2014/main" id="{F28A4958-7BCB-DE0C-B378-461A42D10B9A}"/>
+                    </a:ext>
+                  </a:extLst>
+                </p:cNvPr>
+                <p:cNvSpPr/>
+                <p:nvPr/>
+              </p:nvSpPr>
+              <p:spPr>
+                <a:xfrm>
+                  <a:off x="1296448" y="1550679"/>
+                  <a:ext cx="505849" cy="505849"/>
+                </a:xfrm>
+                <a:prstGeom prst="ellipse">
+                  <a:avLst/>
+                </a:prstGeom>
+                <a:noFill/>
+                <a:ln w="25400">
+                  <a:solidFill>
+                    <a:schemeClr val="tx1"/>
+                  </a:solidFill>
+                </a:ln>
+              </p:spPr>
+              <p:style>
+                <a:lnRef idx="2">
+                  <a:schemeClr val="accent1">
+                    <a:shade val="50000"/>
+                  </a:schemeClr>
+                </a:lnRef>
+                <a:fillRef idx="1">
+                  <a:schemeClr val="accent1"/>
+                </a:fillRef>
+                <a:effectRef idx="0">
+                  <a:schemeClr val="accent1"/>
+                </a:effectRef>
+                <a:fontRef idx="minor">
+                  <a:schemeClr val="lt1"/>
+                </a:fontRef>
+              </p:style>
+              <p:txBody>
+                <a:bodyPr rtlCol="0" anchor="ctr"/>
+                <a:lstStyle/>
+                <a:p>
+                  <a:pPr algn="ctr"/>
+                  <a14:m>
+                    <m:oMathPara xmlns:m="http://schemas.openxmlformats.org/officeDocument/2006/math">
+                      <m:oMathParaPr>
+                        <m:jc m:val="center"/>
+                      </m:oMathParaPr>
+                      <m:oMath xmlns:m="http://schemas.openxmlformats.org/officeDocument/2006/math">
+                        <m:r>
+                          <a:rPr lang="en-US" altLang="ko-KR" b="0" i="1" smtClean="0">
+                            <a:solidFill>
+                              <a:schemeClr val="tx1"/>
+                            </a:solidFill>
+                            <a:latin typeface="Cambria Math" panose="02040503050406030204" pitchFamily="18" charset="0"/>
+                          </a:rPr>
+                          <m:t>  </m:t>
+                        </m:r>
+                        <m:r>
+                          <a:rPr lang="en-US" altLang="ko-KR" b="0" i="1" smtClean="0">
+                            <a:solidFill>
+                              <a:schemeClr val="tx1"/>
+                            </a:solidFill>
+                            <a:latin typeface="Cambria Math" panose="02040503050406030204" pitchFamily="18" charset="0"/>
+                          </a:rPr>
+                          <m:t>𝐿</m:t>
+                        </m:r>
+                      </m:oMath>
+                    </m:oMathPara>
+                  </a14:m>
+                  <a:endParaRPr lang="ko-KR" altLang="en-US" dirty="0">
+                    <a:solidFill>
+                      <a:schemeClr val="tx1"/>
+                    </a:solidFill>
+                  </a:endParaRPr>
+                </a:p>
+              </p:txBody>
+            </p:sp>
+          </mc:Choice>
+          <mc:Fallback>
+            <p:sp>
+              <p:nvSpPr>
+                <p:cNvPr id="12" name="타원 11">
+                  <a:extLst>
+                    <a:ext uri="{FF2B5EF4-FFF2-40B4-BE49-F238E27FC236}">
+                      <a16:creationId xmlns:a16="http://schemas.microsoft.com/office/drawing/2014/main" id="{F28A4958-7BCB-DE0C-B378-461A42D10B9A}"/>
+                    </a:ext>
+                  </a:extLst>
+                </p:cNvPr>
+                <p:cNvSpPr>
+                  <a:spLocks noRot="1" noChangeAspect="1" noMove="1" noResize="1" noEditPoints="1" noAdjustHandles="1" noChangeArrowheads="1" noChangeShapeType="1" noTextEdit="1"/>
+                </p:cNvSpPr>
+                <p:nvPr/>
+              </p:nvSpPr>
+              <p:spPr>
+                <a:xfrm>
+                  <a:off x="1296448" y="1550679"/>
+                  <a:ext cx="505849" cy="505849"/>
+                </a:xfrm>
+                <a:prstGeom prst="ellipse">
+                  <a:avLst/>
+                </a:prstGeom>
+                <a:blipFill>
+                  <a:blip r:embed="rId3"/>
+                  <a:stretch>
+                    <a:fillRect/>
+                  </a:stretch>
+                </a:blipFill>
+                <a:ln w="25400">
+                  <a:solidFill>
+                    <a:schemeClr val="tx1"/>
+                  </a:solidFill>
+                </a:ln>
+              </p:spPr>
+              <p:txBody>
+                <a:bodyPr/>
+                <a:lstStyle/>
+                <a:p>
+                  <a:r>
+                    <a:rPr lang="ko-KR" altLang="en-US">
+                      <a:noFill/>
+                    </a:rPr>
+                    <a:t> </a:t>
+                  </a:r>
+                </a:p>
+              </p:txBody>
+            </p:sp>
+          </mc:Fallback>
+        </mc:AlternateContent>
+        <mc:AlternateContent xmlns:mc="http://schemas.openxmlformats.org/markup-compatibility/2006">
+          <mc:Choice xmlns:a14="http://schemas.microsoft.com/office/drawing/2010/main" Requires="a14">
+            <p:sp>
+              <p:nvSpPr>
+                <p:cNvPr id="13" name="타원 12">
+                  <a:extLst>
+                    <a:ext uri="{FF2B5EF4-FFF2-40B4-BE49-F238E27FC236}">
+                      <a16:creationId xmlns:a16="http://schemas.microsoft.com/office/drawing/2014/main" id="{F19A6C09-A5CA-831B-B191-555D4DBB6961}"/>
+                    </a:ext>
+                  </a:extLst>
+                </p:cNvPr>
+                <p:cNvSpPr/>
+                <p:nvPr/>
+              </p:nvSpPr>
+              <p:spPr>
+                <a:xfrm>
+                  <a:off x="4669126" y="1550679"/>
+                  <a:ext cx="505849" cy="505849"/>
+                </a:xfrm>
+                <a:prstGeom prst="ellipse">
+                  <a:avLst/>
+                </a:prstGeom>
+                <a:noFill/>
+                <a:ln w="25400">
+                  <a:solidFill>
+                    <a:schemeClr val="tx1"/>
+                  </a:solidFill>
+                </a:ln>
+              </p:spPr>
+              <p:style>
+                <a:lnRef idx="2">
+                  <a:schemeClr val="accent1">
+                    <a:shade val="50000"/>
+                  </a:schemeClr>
+                </a:lnRef>
+                <a:fillRef idx="1">
+                  <a:schemeClr val="accent1"/>
+                </a:fillRef>
+                <a:effectRef idx="0">
+                  <a:schemeClr val="accent1"/>
+                </a:effectRef>
+                <a:fontRef idx="minor">
+                  <a:schemeClr val="lt1"/>
+                </a:fontRef>
+              </p:style>
+              <p:txBody>
+                <a:bodyPr rtlCol="0" anchor="ctr"/>
+                <a:lstStyle/>
+                <a:p>
+                  <a:pPr algn="ctr"/>
+                  <a14:m>
+                    <m:oMathPara xmlns:m="http://schemas.openxmlformats.org/officeDocument/2006/math">
+                      <m:oMathParaPr>
+                        <m:jc m:val="center"/>
+                      </m:oMathParaPr>
+                      <m:oMath xmlns:m="http://schemas.openxmlformats.org/officeDocument/2006/math">
+                        <m:r>
+                          <a:rPr lang="en-US" altLang="ko-KR" b="0" i="1" smtClean="0">
+                            <a:solidFill>
+                              <a:schemeClr val="tx1"/>
+                            </a:solidFill>
+                            <a:latin typeface="Cambria Math" panose="02040503050406030204" pitchFamily="18" charset="0"/>
+                          </a:rPr>
+                          <m:t>  </m:t>
+                        </m:r>
+                        <m:r>
+                          <a:rPr lang="en-US" altLang="ko-KR" b="0" i="1" smtClean="0">
+                            <a:solidFill>
+                              <a:schemeClr val="tx1"/>
+                            </a:solidFill>
+                            <a:latin typeface="Cambria Math" panose="02040503050406030204" pitchFamily="18" charset="0"/>
+                          </a:rPr>
+                          <m:t>𝑅</m:t>
+                        </m:r>
+                      </m:oMath>
+                    </m:oMathPara>
+                  </a14:m>
+                  <a:endParaRPr lang="ko-KR" altLang="en-US" dirty="0">
+                    <a:solidFill>
+                      <a:schemeClr val="tx1"/>
+                    </a:solidFill>
+                  </a:endParaRPr>
+                </a:p>
+              </p:txBody>
+            </p:sp>
+          </mc:Choice>
+          <mc:Fallback>
+            <p:sp>
+              <p:nvSpPr>
+                <p:cNvPr id="13" name="타원 12">
+                  <a:extLst>
+                    <a:ext uri="{FF2B5EF4-FFF2-40B4-BE49-F238E27FC236}">
+                      <a16:creationId xmlns:a16="http://schemas.microsoft.com/office/drawing/2014/main" id="{F19A6C09-A5CA-831B-B191-555D4DBB6961}"/>
+                    </a:ext>
+                  </a:extLst>
+                </p:cNvPr>
+                <p:cNvSpPr>
+                  <a:spLocks noRot="1" noChangeAspect="1" noMove="1" noResize="1" noEditPoints="1" noAdjustHandles="1" noChangeArrowheads="1" noChangeShapeType="1" noTextEdit="1"/>
+                </p:cNvSpPr>
+                <p:nvPr/>
+              </p:nvSpPr>
+              <p:spPr>
+                <a:xfrm>
+                  <a:off x="4669126" y="1550679"/>
+                  <a:ext cx="505849" cy="505849"/>
+                </a:xfrm>
+                <a:prstGeom prst="ellipse">
+                  <a:avLst/>
+                </a:prstGeom>
+                <a:blipFill>
+                  <a:blip r:embed="rId4"/>
+                  <a:stretch>
+                    <a:fillRect/>
+                  </a:stretch>
+                </a:blipFill>
+                <a:ln w="25400">
+                  <a:solidFill>
+                    <a:schemeClr val="tx1"/>
+                  </a:solidFill>
+                </a:ln>
+              </p:spPr>
+              <p:txBody>
+                <a:bodyPr/>
+                <a:lstStyle/>
+                <a:p>
+                  <a:r>
+                    <a:rPr lang="ko-KR" altLang="en-US">
+                      <a:noFill/>
+                    </a:rPr>
+                    <a:t> </a:t>
+                  </a:r>
+                </a:p>
+              </p:txBody>
+            </p:sp>
+          </mc:Fallback>
+        </mc:AlternateContent>
+        <p:sp>
+          <p:nvSpPr>
+            <p:cNvPr id="15" name="원호 14">
+              <a:extLst>
+                <a:ext uri="{FF2B5EF4-FFF2-40B4-BE49-F238E27FC236}">
+                  <a16:creationId xmlns:a16="http://schemas.microsoft.com/office/drawing/2014/main" id="{34D81A74-6136-A0E7-FB69-6A7858EC734F}"/>
+                </a:ext>
+              </a:extLst>
+            </p:cNvPr>
+            <p:cNvSpPr/>
+            <p:nvPr/>
+          </p:nvSpPr>
+          <p:spPr>
+            <a:xfrm>
+              <a:off x="377688" y="1803602"/>
+              <a:ext cx="2828206" cy="5538101"/>
+            </a:xfrm>
+            <a:prstGeom prst="arc">
+              <a:avLst/>
+            </a:prstGeom>
+            <a:ln w="25400">
+              <a:solidFill>
+                <a:schemeClr val="tx1"/>
+              </a:solidFill>
+              <a:headEnd type="triangle"/>
+            </a:ln>
+          </p:spPr>
+          <p:style>
+            <a:lnRef idx="1">
+              <a:schemeClr val="accent1"/>
+            </a:lnRef>
+            <a:fillRef idx="0">
+              <a:schemeClr val="accent1"/>
+            </a:fillRef>
+            <a:effectRef idx="0">
+              <a:schemeClr val="accent1"/>
+            </a:effectRef>
+            <a:fontRef idx="minor">
+              <a:schemeClr val="tx1"/>
+            </a:fontRef>
+          </p:style>
+          <p:txBody>
+            <a:bodyPr rtlCol="0" anchor="ctr"/>
+            <a:lstStyle/>
+            <a:p>
+              <a:pPr algn="ctr"/>
+              <a:endParaRPr lang="ko-KR" altLang="en-US"/>
+            </a:p>
+          </p:txBody>
+        </p:sp>
+        <p:sp>
+          <p:nvSpPr>
+            <p:cNvPr id="17" name="원호 16">
+              <a:extLst>
+                <a:ext uri="{FF2B5EF4-FFF2-40B4-BE49-F238E27FC236}">
+                  <a16:creationId xmlns:a16="http://schemas.microsoft.com/office/drawing/2014/main" id="{51CCF2FA-8F6C-F345-3845-791716426BA9}"/>
+                </a:ext>
+              </a:extLst>
+            </p:cNvPr>
+            <p:cNvSpPr/>
+            <p:nvPr/>
+          </p:nvSpPr>
+          <p:spPr>
+            <a:xfrm flipH="1">
+              <a:off x="3205893" y="1799418"/>
+              <a:ext cx="2949741" cy="5538101"/>
+            </a:xfrm>
+            <a:prstGeom prst="arc">
+              <a:avLst/>
+            </a:prstGeom>
+            <a:ln w="25400">
+              <a:solidFill>
+                <a:schemeClr val="tx1"/>
+              </a:solidFill>
+              <a:headEnd type="triangle"/>
+            </a:ln>
+          </p:spPr>
+          <p:style>
+            <a:lnRef idx="1">
+              <a:schemeClr val="accent1"/>
+            </a:lnRef>
+            <a:fillRef idx="0">
+              <a:schemeClr val="accent1"/>
+            </a:fillRef>
+            <a:effectRef idx="0">
+              <a:schemeClr val="accent1"/>
+            </a:effectRef>
+            <a:fontRef idx="minor">
+              <a:schemeClr val="tx1"/>
+            </a:fontRef>
+          </p:style>
+          <p:txBody>
+            <a:bodyPr rtlCol="0" anchor="ctr"/>
+            <a:lstStyle/>
+            <a:p>
+              <a:pPr algn="ctr"/>
+              <a:endParaRPr lang="ko-KR" altLang="en-US"/>
+            </a:p>
+          </p:txBody>
+        </p:sp>
+        <mc:AlternateContent xmlns:mc="http://schemas.openxmlformats.org/markup-compatibility/2006">
+          <mc:Choice xmlns:a14="http://schemas.microsoft.com/office/drawing/2010/main" Requires="a14">
+            <p:sp>
+              <p:nvSpPr>
+                <p:cNvPr id="2" name="타원 1">
+                  <a:extLst>
+                    <a:ext uri="{FF2B5EF4-FFF2-40B4-BE49-F238E27FC236}">
+                      <a16:creationId xmlns:a16="http://schemas.microsoft.com/office/drawing/2014/main" id="{29459A1C-F232-40FC-3970-ADEA5F752002}"/>
+                    </a:ext>
+                  </a:extLst>
+                </p:cNvPr>
+                <p:cNvSpPr/>
+                <p:nvPr/>
+              </p:nvSpPr>
+              <p:spPr>
+                <a:xfrm>
+                  <a:off x="8101438" y="4572175"/>
+                  <a:ext cx="505849" cy="505849"/>
+                </a:xfrm>
+                <a:prstGeom prst="ellipse">
+                  <a:avLst/>
+                </a:prstGeom>
+                <a:noFill/>
+                <a:ln w="25400">
+                  <a:solidFill>
+                    <a:schemeClr val="tx1"/>
+                  </a:solidFill>
+                </a:ln>
+              </p:spPr>
+              <p:style>
+                <a:lnRef idx="2">
+                  <a:schemeClr val="accent1">
+                    <a:shade val="50000"/>
+                  </a:schemeClr>
+                </a:lnRef>
+                <a:fillRef idx="1">
+                  <a:schemeClr val="accent1"/>
+                </a:fillRef>
+                <a:effectRef idx="0">
+                  <a:schemeClr val="accent1"/>
+                </a:effectRef>
+                <a:fontRef idx="minor">
+                  <a:schemeClr val="lt1"/>
+                </a:fontRef>
+              </p:style>
+              <p:txBody>
+                <a:bodyPr rtlCol="0" anchor="ctr"/>
+                <a:lstStyle/>
+                <a:p>
+                  <a:pPr algn="ctr"/>
+                  <a14:m>
+                    <m:oMathPara xmlns:m="http://schemas.openxmlformats.org/officeDocument/2006/math">
+                      <m:oMathParaPr>
+                        <m:jc m:val="center"/>
+                      </m:oMathParaPr>
+                      <m:oMath xmlns:m="http://schemas.openxmlformats.org/officeDocument/2006/math">
+                        <m:r>
+                          <a:rPr lang="en-US" altLang="ko-KR" b="0" i="1" smtClean="0">
+                            <a:solidFill>
+                              <a:schemeClr val="tx1"/>
+                            </a:solidFill>
+                            <a:latin typeface="Cambria Math" panose="02040503050406030204" pitchFamily="18" charset="0"/>
+                          </a:rPr>
+                          <m:t>  </m:t>
+                        </m:r>
+                        <m:sSub>
+                          <m:sSubPr>
+                            <m:ctrlPr>
+                              <a:rPr lang="en-US" altLang="ko-KR" b="0" i="1" smtClean="0">
+                                <a:solidFill>
+                                  <a:schemeClr val="tx1"/>
+                                </a:solidFill>
+                                <a:latin typeface="Cambria Math" panose="02040503050406030204" pitchFamily="18" charset="0"/>
+                              </a:rPr>
+                            </m:ctrlPr>
+                          </m:sSubPr>
+                          <m:e>
+                            <m:r>
+                              <a:rPr lang="en-US" altLang="ko-KR" b="0" i="1" smtClean="0">
+                                <a:solidFill>
+                                  <a:schemeClr val="tx1"/>
+                                </a:solidFill>
+                                <a:latin typeface="Cambria Math" panose="02040503050406030204" pitchFamily="18" charset="0"/>
+                              </a:rPr>
+                              <m:t>𝑋</m:t>
+                            </m:r>
+                          </m:e>
+                          <m:sub>
+                            <m:r>
+                              <a:rPr lang="en-US" altLang="ko-KR" b="0" i="1" smtClean="0">
+                                <a:solidFill>
+                                  <a:schemeClr val="tx1"/>
+                                </a:solidFill>
+                                <a:latin typeface="Cambria Math" panose="02040503050406030204" pitchFamily="18" charset="0"/>
+                              </a:rPr>
+                              <m:t>𝑘</m:t>
+                            </m:r>
+                          </m:sub>
+                        </m:sSub>
+                      </m:oMath>
+                    </m:oMathPara>
+                  </a14:m>
+                  <a:endParaRPr lang="ko-KR" altLang="en-US" dirty="0">
+                    <a:solidFill>
+                      <a:schemeClr val="tx1"/>
+                    </a:solidFill>
+                  </a:endParaRPr>
+                </a:p>
+              </p:txBody>
+            </p:sp>
+          </mc:Choice>
+          <mc:Fallback>
+            <p:sp>
+              <p:nvSpPr>
+                <p:cNvPr id="2" name="타원 1">
+                  <a:extLst>
+                    <a:ext uri="{FF2B5EF4-FFF2-40B4-BE49-F238E27FC236}">
+                      <a16:creationId xmlns:a16="http://schemas.microsoft.com/office/drawing/2014/main" id="{29459A1C-F232-40FC-3970-ADEA5F752002}"/>
+                    </a:ext>
+                  </a:extLst>
+                </p:cNvPr>
+                <p:cNvSpPr>
+                  <a:spLocks noRot="1" noChangeAspect="1" noMove="1" noResize="1" noEditPoints="1" noAdjustHandles="1" noChangeArrowheads="1" noChangeShapeType="1" noTextEdit="1"/>
+                </p:cNvSpPr>
+                <p:nvPr/>
+              </p:nvSpPr>
+              <p:spPr>
+                <a:xfrm>
+                  <a:off x="8101438" y="4572175"/>
+                  <a:ext cx="505849" cy="505849"/>
+                </a:xfrm>
+                <a:prstGeom prst="ellipse">
+                  <a:avLst/>
+                </a:prstGeom>
+                <a:blipFill>
+                  <a:blip r:embed="rId5"/>
+                  <a:stretch>
+                    <a:fillRect/>
+                  </a:stretch>
+                </a:blipFill>
+                <a:ln w="25400">
+                  <a:solidFill>
+                    <a:schemeClr val="tx1"/>
+                  </a:solidFill>
+                </a:ln>
+              </p:spPr>
+              <p:txBody>
+                <a:bodyPr/>
+                <a:lstStyle/>
+                <a:p>
+                  <a:r>
+                    <a:rPr lang="ko-KR" altLang="en-US">
+                      <a:noFill/>
+                    </a:rPr>
+                    <a:t> </a:t>
+                  </a:r>
+                </a:p>
+              </p:txBody>
+            </p:sp>
+          </mc:Fallback>
+        </mc:AlternateContent>
+        <mc:AlternateContent xmlns:mc="http://schemas.openxmlformats.org/markup-compatibility/2006">
+          <mc:Choice xmlns:a14="http://schemas.microsoft.com/office/drawing/2010/main" Requires="a14">
+            <p:sp>
+              <p:nvSpPr>
+                <p:cNvPr id="4" name="타원 3">
+                  <a:extLst>
+                    <a:ext uri="{FF2B5EF4-FFF2-40B4-BE49-F238E27FC236}">
+                      <a16:creationId xmlns:a16="http://schemas.microsoft.com/office/drawing/2014/main" id="{733A26BF-8D22-C368-F53C-123E47E13914}"/>
+                    </a:ext>
+                  </a:extLst>
+                </p:cNvPr>
+                <p:cNvSpPr/>
+                <p:nvPr/>
+              </p:nvSpPr>
+              <p:spPr>
+                <a:xfrm>
+                  <a:off x="6444917" y="1550679"/>
+                  <a:ext cx="505849" cy="505849"/>
+                </a:xfrm>
+                <a:prstGeom prst="ellipse">
+                  <a:avLst/>
+                </a:prstGeom>
+                <a:noFill/>
+                <a:ln w="25400">
+                  <a:solidFill>
+                    <a:schemeClr val="tx1"/>
+                  </a:solidFill>
+                </a:ln>
+              </p:spPr>
+              <p:style>
+                <a:lnRef idx="2">
+                  <a:schemeClr val="accent1">
+                    <a:shade val="50000"/>
+                  </a:schemeClr>
+                </a:lnRef>
+                <a:fillRef idx="1">
+                  <a:schemeClr val="accent1"/>
+                </a:fillRef>
+                <a:effectRef idx="0">
+                  <a:schemeClr val="accent1"/>
+                </a:effectRef>
+                <a:fontRef idx="minor">
+                  <a:schemeClr val="lt1"/>
+                </a:fontRef>
+              </p:style>
+              <p:txBody>
+                <a:bodyPr rtlCol="0" anchor="ctr"/>
+                <a:lstStyle/>
+                <a:p>
+                  <a:pPr algn="ctr"/>
+                  <a14:m>
+                    <m:oMathPara xmlns:m="http://schemas.openxmlformats.org/officeDocument/2006/math">
+                      <m:oMathParaPr>
+                        <m:jc m:val="center"/>
+                      </m:oMathParaPr>
+                      <m:oMath xmlns:m="http://schemas.openxmlformats.org/officeDocument/2006/math">
+                        <m:r>
+                          <a:rPr lang="en-US" altLang="ko-KR" b="0" i="1" smtClean="0">
+                            <a:solidFill>
+                              <a:schemeClr val="tx1"/>
+                            </a:solidFill>
+                            <a:latin typeface="Cambria Math" panose="02040503050406030204" pitchFamily="18" charset="0"/>
+                          </a:rPr>
+                          <m:t>  </m:t>
+                        </m:r>
+                        <m:r>
+                          <a:rPr lang="en-US" altLang="ko-KR" b="0" i="1" smtClean="0">
+                            <a:solidFill>
+                              <a:schemeClr val="tx1"/>
+                            </a:solidFill>
+                            <a:latin typeface="Cambria Math" panose="02040503050406030204" pitchFamily="18" charset="0"/>
+                          </a:rPr>
+                          <m:t>𝐿</m:t>
+                        </m:r>
+                      </m:oMath>
+                    </m:oMathPara>
+                  </a14:m>
+                  <a:endParaRPr lang="ko-KR" altLang="en-US" dirty="0">
+                    <a:solidFill>
+                      <a:schemeClr val="tx1"/>
+                    </a:solidFill>
+                  </a:endParaRPr>
+                </a:p>
+              </p:txBody>
+            </p:sp>
+          </mc:Choice>
+          <mc:Fallback>
+            <p:sp>
+              <p:nvSpPr>
+                <p:cNvPr id="4" name="타원 3">
+                  <a:extLst>
+                    <a:ext uri="{FF2B5EF4-FFF2-40B4-BE49-F238E27FC236}">
+                      <a16:creationId xmlns:a16="http://schemas.microsoft.com/office/drawing/2014/main" id="{733A26BF-8D22-C368-F53C-123E47E13914}"/>
+                    </a:ext>
+                  </a:extLst>
+                </p:cNvPr>
+                <p:cNvSpPr>
+                  <a:spLocks noRot="1" noChangeAspect="1" noMove="1" noResize="1" noEditPoints="1" noAdjustHandles="1" noChangeArrowheads="1" noChangeShapeType="1" noTextEdit="1"/>
+                </p:cNvSpPr>
+                <p:nvPr/>
+              </p:nvSpPr>
+              <p:spPr>
+                <a:xfrm>
+                  <a:off x="6444917" y="1550679"/>
+                  <a:ext cx="505849" cy="505849"/>
+                </a:xfrm>
+                <a:prstGeom prst="ellipse">
+                  <a:avLst/>
+                </a:prstGeom>
+                <a:blipFill>
+                  <a:blip r:embed="rId6"/>
+                  <a:stretch>
+                    <a:fillRect/>
+                  </a:stretch>
+                </a:blipFill>
+                <a:ln w="25400">
+                  <a:solidFill>
+                    <a:schemeClr val="tx1"/>
+                  </a:solidFill>
+                </a:ln>
+              </p:spPr>
+              <p:txBody>
+                <a:bodyPr/>
+                <a:lstStyle/>
+                <a:p>
+                  <a:r>
+                    <a:rPr lang="ko-KR" altLang="en-US">
+                      <a:noFill/>
+                    </a:rPr>
+                    <a:t> </a:t>
+                  </a:r>
+                </a:p>
+              </p:txBody>
+            </p:sp>
+          </mc:Fallback>
+        </mc:AlternateContent>
+        <mc:AlternateContent xmlns:mc="http://schemas.openxmlformats.org/markup-compatibility/2006">
+          <mc:Choice xmlns:a14="http://schemas.microsoft.com/office/drawing/2010/main" Requires="a14">
+            <p:sp>
+              <p:nvSpPr>
+                <p:cNvPr id="5" name="타원 4">
+                  <a:extLst>
+                    <a:ext uri="{FF2B5EF4-FFF2-40B4-BE49-F238E27FC236}">
+                      <a16:creationId xmlns:a16="http://schemas.microsoft.com/office/drawing/2014/main" id="{CE87304B-A34C-6E44-4402-686233B353E1}"/>
+                    </a:ext>
+                  </a:extLst>
+                </p:cNvPr>
+                <p:cNvSpPr/>
+                <p:nvPr/>
+              </p:nvSpPr>
+              <p:spPr>
+                <a:xfrm>
+                  <a:off x="9817595" y="1550679"/>
+                  <a:ext cx="505849" cy="505849"/>
+                </a:xfrm>
+                <a:prstGeom prst="ellipse">
+                  <a:avLst/>
+                </a:prstGeom>
+                <a:noFill/>
+                <a:ln w="25400">
+                  <a:solidFill>
+                    <a:schemeClr val="tx1"/>
+                  </a:solidFill>
+                </a:ln>
+              </p:spPr>
+              <p:style>
+                <a:lnRef idx="2">
+                  <a:schemeClr val="accent1">
+                    <a:shade val="50000"/>
+                  </a:schemeClr>
+                </a:lnRef>
+                <a:fillRef idx="1">
+                  <a:schemeClr val="accent1"/>
+                </a:fillRef>
+                <a:effectRef idx="0">
+                  <a:schemeClr val="accent1"/>
+                </a:effectRef>
+                <a:fontRef idx="minor">
+                  <a:schemeClr val="lt1"/>
+                </a:fontRef>
+              </p:style>
+              <p:txBody>
+                <a:bodyPr rtlCol="0" anchor="ctr"/>
+                <a:lstStyle/>
+                <a:p>
+                  <a:pPr algn="ctr"/>
+                  <a14:m>
+                    <m:oMathPara xmlns:m="http://schemas.openxmlformats.org/officeDocument/2006/math">
+                      <m:oMathParaPr>
+                        <m:jc m:val="center"/>
+                      </m:oMathParaPr>
+                      <m:oMath xmlns:m="http://schemas.openxmlformats.org/officeDocument/2006/math">
+                        <m:r>
+                          <a:rPr lang="en-US" altLang="ko-KR" b="0" i="1" smtClean="0">
+                            <a:solidFill>
+                              <a:schemeClr val="tx1"/>
+                            </a:solidFill>
+                            <a:latin typeface="Cambria Math" panose="02040503050406030204" pitchFamily="18" charset="0"/>
+                          </a:rPr>
+                          <m:t>  </m:t>
+                        </m:r>
+                        <m:r>
+                          <a:rPr lang="en-US" altLang="ko-KR" b="0" i="1" smtClean="0">
+                            <a:solidFill>
+                              <a:schemeClr val="tx1"/>
+                            </a:solidFill>
+                            <a:latin typeface="Cambria Math" panose="02040503050406030204" pitchFamily="18" charset="0"/>
+                          </a:rPr>
+                          <m:t>𝑅</m:t>
+                        </m:r>
+                      </m:oMath>
+                    </m:oMathPara>
+                  </a14:m>
+                  <a:endParaRPr lang="ko-KR" altLang="en-US" dirty="0">
+                    <a:solidFill>
+                      <a:schemeClr val="tx1"/>
+                    </a:solidFill>
+                  </a:endParaRPr>
+                </a:p>
+              </p:txBody>
+            </p:sp>
+          </mc:Choice>
+          <mc:Fallback>
+            <p:sp>
+              <p:nvSpPr>
+                <p:cNvPr id="5" name="타원 4">
+                  <a:extLst>
+                    <a:ext uri="{FF2B5EF4-FFF2-40B4-BE49-F238E27FC236}">
+                      <a16:creationId xmlns:a16="http://schemas.microsoft.com/office/drawing/2014/main" id="{CE87304B-A34C-6E44-4402-686233B353E1}"/>
+                    </a:ext>
+                  </a:extLst>
+                </p:cNvPr>
+                <p:cNvSpPr>
+                  <a:spLocks noRot="1" noChangeAspect="1" noMove="1" noResize="1" noEditPoints="1" noAdjustHandles="1" noChangeArrowheads="1" noChangeShapeType="1" noTextEdit="1"/>
+                </p:cNvSpPr>
+                <p:nvPr/>
+              </p:nvSpPr>
+              <p:spPr>
+                <a:xfrm>
+                  <a:off x="9817595" y="1550679"/>
+                  <a:ext cx="505849" cy="505849"/>
+                </a:xfrm>
+                <a:prstGeom prst="ellipse">
+                  <a:avLst/>
+                </a:prstGeom>
+                <a:blipFill>
+                  <a:blip r:embed="rId7"/>
+                  <a:stretch>
+                    <a:fillRect/>
+                  </a:stretch>
+                </a:blipFill>
+                <a:ln w="25400">
+                  <a:solidFill>
+                    <a:schemeClr val="tx1"/>
+                  </a:solidFill>
+                </a:ln>
+              </p:spPr>
+              <p:txBody>
+                <a:bodyPr/>
+                <a:lstStyle/>
+                <a:p>
+                  <a:r>
+                    <a:rPr lang="ko-KR" altLang="en-US">
+                      <a:noFill/>
+                    </a:rPr>
+                    <a:t> </a:t>
+                  </a:r>
+                </a:p>
+              </p:txBody>
+            </p:sp>
+          </mc:Fallback>
+        </mc:AlternateContent>
+        <mc:AlternateContent xmlns:mc="http://schemas.openxmlformats.org/markup-compatibility/2006">
+          <mc:Choice xmlns:a14="http://schemas.microsoft.com/office/drawing/2010/main" Requires="a14">
+            <p:sp>
+              <p:nvSpPr>
+                <p:cNvPr id="6" name="타원 5">
+                  <a:extLst>
+                    <a:ext uri="{FF2B5EF4-FFF2-40B4-BE49-F238E27FC236}">
+                      <a16:creationId xmlns:a16="http://schemas.microsoft.com/office/drawing/2014/main" id="{1F1DAC99-0214-10EE-E373-5ECE82EC8A27}"/>
+                    </a:ext>
+                  </a:extLst>
+                </p:cNvPr>
+                <p:cNvSpPr/>
+                <p:nvPr/>
+              </p:nvSpPr>
+              <p:spPr>
+                <a:xfrm>
+                  <a:off x="8101437" y="2942158"/>
+                  <a:ext cx="505849" cy="505849"/>
+                </a:xfrm>
+                <a:prstGeom prst="ellipse">
+                  <a:avLst/>
+                </a:prstGeom>
+                <a:noFill/>
+                <a:ln w="25400">
+                  <a:solidFill>
+                    <a:schemeClr val="tx1"/>
+                  </a:solidFill>
+                </a:ln>
+              </p:spPr>
+              <p:style>
+                <a:lnRef idx="2">
+                  <a:schemeClr val="accent1">
+                    <a:shade val="50000"/>
+                  </a:schemeClr>
+                </a:lnRef>
+                <a:fillRef idx="1">
+                  <a:schemeClr val="accent1"/>
+                </a:fillRef>
+                <a:effectRef idx="0">
+                  <a:schemeClr val="accent1"/>
+                </a:effectRef>
+                <a:fontRef idx="minor">
+                  <a:schemeClr val="lt1"/>
+                </a:fontRef>
+              </p:style>
+              <p:txBody>
+                <a:bodyPr rtlCol="0" anchor="ctr"/>
+                <a:lstStyle/>
+                <a:p>
+                  <a:pPr algn="ctr"/>
+                  <a14:m>
+                    <m:oMathPara xmlns:m="http://schemas.openxmlformats.org/officeDocument/2006/math">
+                      <m:oMathParaPr>
+                        <m:jc m:val="center"/>
+                      </m:oMathParaPr>
+                      <m:oMath xmlns:m="http://schemas.openxmlformats.org/officeDocument/2006/math">
+                        <m:r>
+                          <a:rPr lang="en-US" altLang="ko-KR" b="0" i="1" smtClean="0">
+                            <a:solidFill>
+                              <a:schemeClr val="tx1"/>
+                            </a:solidFill>
+                            <a:latin typeface="Cambria Math" panose="02040503050406030204" pitchFamily="18" charset="0"/>
+                          </a:rPr>
+                          <m:t>  </m:t>
+                        </m:r>
+                        <m:r>
+                          <a:rPr lang="en-US" altLang="ko-KR" b="0" i="1" smtClean="0">
+                            <a:solidFill>
+                              <a:schemeClr val="tx1"/>
+                            </a:solidFill>
+                            <a:latin typeface="Cambria Math" panose="02040503050406030204" pitchFamily="18" charset="0"/>
+                          </a:rPr>
+                          <m:t>𝑊</m:t>
+                        </m:r>
+                      </m:oMath>
+                    </m:oMathPara>
+                  </a14:m>
+                  <a:endParaRPr lang="ko-KR" altLang="en-US" dirty="0">
+                    <a:solidFill>
+                      <a:schemeClr val="tx1"/>
+                    </a:solidFill>
+                  </a:endParaRPr>
+                </a:p>
+              </p:txBody>
+            </p:sp>
+          </mc:Choice>
+          <mc:Fallback>
+            <p:sp>
+              <p:nvSpPr>
+                <p:cNvPr id="6" name="타원 5">
+                  <a:extLst>
+                    <a:ext uri="{FF2B5EF4-FFF2-40B4-BE49-F238E27FC236}">
+                      <a16:creationId xmlns:a16="http://schemas.microsoft.com/office/drawing/2014/main" id="{1F1DAC99-0214-10EE-E373-5ECE82EC8A27}"/>
+                    </a:ext>
+                  </a:extLst>
+                </p:cNvPr>
+                <p:cNvSpPr>
+                  <a:spLocks noRot="1" noChangeAspect="1" noMove="1" noResize="1" noEditPoints="1" noAdjustHandles="1" noChangeArrowheads="1" noChangeShapeType="1" noTextEdit="1"/>
+                </p:cNvSpPr>
+                <p:nvPr/>
+              </p:nvSpPr>
+              <p:spPr>
+                <a:xfrm>
+                  <a:off x="8101437" y="2942158"/>
+                  <a:ext cx="505849" cy="505849"/>
+                </a:xfrm>
+                <a:prstGeom prst="ellipse">
+                  <a:avLst/>
+                </a:prstGeom>
+                <a:blipFill>
+                  <a:blip r:embed="rId8"/>
+                  <a:stretch>
+                    <a:fillRect/>
+                  </a:stretch>
+                </a:blipFill>
+                <a:ln w="25400">
+                  <a:solidFill>
+                    <a:schemeClr val="tx1"/>
+                  </a:solidFill>
+                </a:ln>
+              </p:spPr>
+              <p:txBody>
+                <a:bodyPr/>
+                <a:lstStyle/>
+                <a:p>
+                  <a:r>
+                    <a:rPr lang="ko-KR" altLang="en-US">
+                      <a:noFill/>
+                    </a:rPr>
+                    <a:t> </a:t>
+                  </a:r>
+                </a:p>
+              </p:txBody>
+            </p:sp>
+          </mc:Fallback>
+        </mc:AlternateContent>
+        <p:cxnSp>
+          <p:nvCxnSpPr>
+            <p:cNvPr id="19" name="직선 화살표 연결선 18">
+              <a:extLst>
+                <a:ext uri="{FF2B5EF4-FFF2-40B4-BE49-F238E27FC236}">
+                  <a16:creationId xmlns:a16="http://schemas.microsoft.com/office/drawing/2014/main" id="{61EF5F29-FAB9-5311-EB17-E8D102299439}"/>
+                </a:ext>
+              </a:extLst>
+            </p:cNvPr>
+            <p:cNvCxnSpPr>
+              <a:stCxn id="2" idx="0"/>
+              <a:endCxn id="6" idx="4"/>
+            </p:cNvCxnSpPr>
+            <p:nvPr/>
+          </p:nvCxnSpPr>
+          <p:spPr>
+            <a:xfrm flipH="1" flipV="1">
+              <a:off x="8354362" y="3448007"/>
+              <a:ext cx="1" cy="1124168"/>
+            </a:xfrm>
+            <a:prstGeom prst="straightConnector1">
+              <a:avLst/>
+            </a:prstGeom>
+            <a:ln w="25400">
+              <a:solidFill>
+                <a:schemeClr val="tx1"/>
+              </a:solidFill>
+              <a:tailEnd type="triangle"/>
+            </a:ln>
+          </p:spPr>
+          <p:style>
+            <a:lnRef idx="1">
+              <a:schemeClr val="accent1"/>
+            </a:lnRef>
+            <a:fillRef idx="0">
+              <a:schemeClr val="accent1"/>
+            </a:fillRef>
+            <a:effectRef idx="0">
+              <a:schemeClr val="accent1"/>
+            </a:effectRef>
+            <a:fontRef idx="minor">
+              <a:schemeClr val="tx1"/>
+            </a:fontRef>
+          </p:style>
+        </p:cxnSp>
+        <p:cxnSp>
+          <p:nvCxnSpPr>
+            <p:cNvPr id="21" name="직선 화살표 연결선 20">
+              <a:extLst>
+                <a:ext uri="{FF2B5EF4-FFF2-40B4-BE49-F238E27FC236}">
+                  <a16:creationId xmlns:a16="http://schemas.microsoft.com/office/drawing/2014/main" id="{D40E2E5B-F3DF-1727-509F-B717AC44F580}"/>
+                </a:ext>
+              </a:extLst>
+            </p:cNvPr>
+            <p:cNvCxnSpPr>
+              <a:stCxn id="6" idx="1"/>
+              <a:endCxn id="4" idx="5"/>
+            </p:cNvCxnSpPr>
+            <p:nvPr/>
+          </p:nvCxnSpPr>
+          <p:spPr>
+            <a:xfrm flipH="1" flipV="1">
+              <a:off x="6876686" y="1982448"/>
+              <a:ext cx="1298831" cy="1033790"/>
+            </a:xfrm>
+            <a:prstGeom prst="straightConnector1">
+              <a:avLst/>
+            </a:prstGeom>
+            <a:ln w="25400">
+              <a:solidFill>
+                <a:schemeClr val="tx1"/>
+              </a:solidFill>
+              <a:tailEnd type="triangle"/>
+            </a:ln>
+          </p:spPr>
+          <p:style>
+            <a:lnRef idx="1">
+              <a:schemeClr val="accent1"/>
+            </a:lnRef>
+            <a:fillRef idx="0">
+              <a:schemeClr val="accent1"/>
+            </a:fillRef>
+            <a:effectRef idx="0">
+              <a:schemeClr val="accent1"/>
+            </a:effectRef>
+            <a:fontRef idx="minor">
+              <a:schemeClr val="tx1"/>
+            </a:fontRef>
+          </p:style>
+        </p:cxnSp>
+        <p:cxnSp>
+          <p:nvCxnSpPr>
+            <p:cNvPr id="23" name="직선 화살표 연결선 22">
+              <a:extLst>
+                <a:ext uri="{FF2B5EF4-FFF2-40B4-BE49-F238E27FC236}">
+                  <a16:creationId xmlns:a16="http://schemas.microsoft.com/office/drawing/2014/main" id="{C9F219EE-D2AA-6ACA-AE83-F48579A96965}"/>
+                </a:ext>
+              </a:extLst>
+            </p:cNvPr>
+            <p:cNvCxnSpPr>
+              <a:stCxn id="6" idx="7"/>
+              <a:endCxn id="5" idx="3"/>
+            </p:cNvCxnSpPr>
+            <p:nvPr/>
+          </p:nvCxnSpPr>
+          <p:spPr>
+            <a:xfrm flipV="1">
+              <a:off x="8533206" y="1982448"/>
+              <a:ext cx="1358469" cy="1033790"/>
+            </a:xfrm>
+            <a:prstGeom prst="straightConnector1">
+              <a:avLst/>
+            </a:prstGeom>
+            <a:ln w="25400">
+              <a:solidFill>
+                <a:schemeClr val="tx1"/>
+              </a:solidFill>
+              <a:tailEnd type="triangle"/>
+            </a:ln>
+          </p:spPr>
+          <p:style>
+            <a:lnRef idx="1">
+              <a:schemeClr val="accent1"/>
+            </a:lnRef>
+            <a:fillRef idx="0">
+              <a:schemeClr val="accent1"/>
+            </a:fillRef>
+            <a:effectRef idx="0">
+              <a:schemeClr val="accent1"/>
+            </a:effectRef>
+            <a:fontRef idx="minor">
+              <a:schemeClr val="tx1"/>
+            </a:fontRef>
+          </p:style>
+        </p:cxnSp>
+      </p:grpSp>
+    </p:spTree>
+    <p:extLst>
+      <p:ext uri="{BB962C8B-B14F-4D97-AF65-F5344CB8AC3E}">
+        <p14:creationId xmlns:p14="http://schemas.microsoft.com/office/powerpoint/2010/main" val="832173681"/>
+      </p:ext>
+    </p:extLst>
+  </p:cSld>
+  <p:clrMapOvr>
+    <a:masterClrMapping/>
+  </p:clrMapOvr>
+</p:sld>
+</file>
+
 <file path=ppt/theme/theme1.xml><?xml version="1.0" encoding="utf-8"?>
 <a:theme xmlns:a="http://schemas.openxmlformats.org/drawingml/2006/main" name="Office 테마">
   <a:themeElements>

--- a/docs/assets.pptx
+++ b/docs/assets.pptx
@@ -7,6 +7,7 @@
   <p:sldIdLst>
     <p:sldId id="257" r:id="rId2"/>
     <p:sldId id="258" r:id="rId3"/>
+    <p:sldId id="259" r:id="rId4"/>
   </p:sldIdLst>
   <p:sldSz cx="12192000" cy="6858000"/>
   <p:notesSz cx="6858000" cy="9144000"/>
@@ -116,7 +117,7 @@
 <file path=ppt/revisionInfo.xml><?xml version="1.0" encoding="utf-8"?>
 <p1510:revInfo xmlns:a="http://schemas.openxmlformats.org/drawingml/2006/main" xmlns:r="http://schemas.openxmlformats.org/officeDocument/2006/relationships" xmlns:p1510="http://schemas.microsoft.com/office/powerpoint/2015/10/main">
   <p1510:revLst>
-    <p1510:client id="{F1090BDD-33D4-4611-9C7F-63E971FA2220}" v="37" dt="2023-05-05T21:12:45.663"/>
+    <p1510:client id="{F1090BDD-33D4-4611-9C7F-63E971FA2220}" v="123" dt="2023-05-07T03:28:13.493"/>
   </p1510:revLst>
 </p1510:revInfo>
 </file>
@@ -125,8 +126,8 @@
 <pc:chgInfo xmlns:a="http://schemas.openxmlformats.org/drawingml/2006/main" xmlns:r="http://schemas.openxmlformats.org/officeDocument/2006/relationships" xmlns:ac="http://schemas.microsoft.com/office/drawing/2013/main/command" xmlns:pc="http://schemas.microsoft.com/office/powerpoint/2013/main/command">
   <pc:docChgLst>
     <pc:chgData name="박재민" userId="6e246547-9693-459d-93fb-5692f55f62eb" providerId="ADAL" clId="{F1090BDD-33D4-4611-9C7F-63E971FA2220}"/>
-    <pc:docChg chg="undo custSel addSld modSld">
-      <pc:chgData name="박재민" userId="6e246547-9693-459d-93fb-5692f55f62eb" providerId="ADAL" clId="{F1090BDD-33D4-4611-9C7F-63E971FA2220}" dt="2023-05-05T21:12:45.663" v="109" actId="164"/>
+    <pc:docChg chg="undo redo custSel addSld modSld">
+      <pc:chgData name="박재민" userId="6e246547-9693-459d-93fb-5692f55f62eb" providerId="ADAL" clId="{F1090BDD-33D4-4611-9C7F-63E971FA2220}" dt="2023-05-07T03:28:16.546" v="417" actId="1076"/>
       <pc:docMkLst>
         <pc:docMk/>
       </pc:docMkLst>
@@ -361,6 +362,325 @@
           </ac:cxnSpMkLst>
         </pc:cxnChg>
       </pc:sldChg>
+      <pc:sldChg chg="addSp delSp modSp new mod">
+        <pc:chgData name="박재민" userId="6e246547-9693-459d-93fb-5692f55f62eb" providerId="ADAL" clId="{F1090BDD-33D4-4611-9C7F-63E971FA2220}" dt="2023-05-07T03:28:16.546" v="417" actId="1076"/>
+        <pc:sldMkLst>
+          <pc:docMk/>
+          <pc:sldMk cId="4135633846" sldId="259"/>
+        </pc:sldMkLst>
+        <pc:spChg chg="add mod">
+          <ac:chgData name="박재민" userId="6e246547-9693-459d-93fb-5692f55f62eb" providerId="ADAL" clId="{F1090BDD-33D4-4611-9C7F-63E971FA2220}" dt="2023-05-07T03:17:12.087" v="301" actId="164"/>
+          <ac:spMkLst>
+            <pc:docMk/>
+            <pc:sldMk cId="4135633846" sldId="259"/>
+            <ac:spMk id="2" creationId="{5C8CD1E1-928B-BB94-4E1A-6472F97A376F}"/>
+          </ac:spMkLst>
+        </pc:spChg>
+        <pc:spChg chg="add del mod">
+          <ac:chgData name="박재민" userId="6e246547-9693-459d-93fb-5692f55f62eb" providerId="ADAL" clId="{F1090BDD-33D4-4611-9C7F-63E971FA2220}" dt="2023-05-07T03:08:39.111" v="125"/>
+          <ac:spMkLst>
+            <pc:docMk/>
+            <pc:sldMk cId="4135633846" sldId="259"/>
+            <ac:spMk id="3" creationId="{10C9711F-211B-8E32-5390-1375FEB08BE3}"/>
+          </ac:spMkLst>
+        </pc:spChg>
+        <pc:spChg chg="add del mod">
+          <ac:chgData name="박재민" userId="6e246547-9693-459d-93fb-5692f55f62eb" providerId="ADAL" clId="{F1090BDD-33D4-4611-9C7F-63E971FA2220}" dt="2023-05-07T03:09:09.618" v="130" actId="478"/>
+          <ac:spMkLst>
+            <pc:docMk/>
+            <pc:sldMk cId="4135633846" sldId="259"/>
+            <ac:spMk id="4" creationId="{058FE545-AA07-FD7D-A37D-6D69F71893E0}"/>
+          </ac:spMkLst>
+        </pc:spChg>
+        <pc:spChg chg="add mod">
+          <ac:chgData name="박재민" userId="6e246547-9693-459d-93fb-5692f55f62eb" providerId="ADAL" clId="{F1090BDD-33D4-4611-9C7F-63E971FA2220}" dt="2023-05-07T03:17:12.087" v="301" actId="164"/>
+          <ac:spMkLst>
+            <pc:docMk/>
+            <pc:sldMk cId="4135633846" sldId="259"/>
+            <ac:spMk id="7" creationId="{185C8078-0936-0DEA-CA1E-54B1B5F766CB}"/>
+          </ac:spMkLst>
+        </pc:spChg>
+        <pc:spChg chg="add mod">
+          <ac:chgData name="박재민" userId="6e246547-9693-459d-93fb-5692f55f62eb" providerId="ADAL" clId="{F1090BDD-33D4-4611-9C7F-63E971FA2220}" dt="2023-05-07T03:17:12.087" v="301" actId="164"/>
+          <ac:spMkLst>
+            <pc:docMk/>
+            <pc:sldMk cId="4135633846" sldId="259"/>
+            <ac:spMk id="8" creationId="{6680953A-27F5-AE61-BA9D-0BDB107DA5CA}"/>
+          </ac:spMkLst>
+        </pc:spChg>
+        <pc:spChg chg="add del mod">
+          <ac:chgData name="박재민" userId="6e246547-9693-459d-93fb-5692f55f62eb" providerId="ADAL" clId="{F1090BDD-33D4-4611-9C7F-63E971FA2220}" dt="2023-05-07T03:11:17.354" v="179" actId="478"/>
+          <ac:spMkLst>
+            <pc:docMk/>
+            <pc:sldMk cId="4135633846" sldId="259"/>
+            <ac:spMk id="9" creationId="{D549766B-0B06-71DE-E777-5ED706014127}"/>
+          </ac:spMkLst>
+        </pc:spChg>
+        <pc:spChg chg="add mod">
+          <ac:chgData name="박재민" userId="6e246547-9693-459d-93fb-5692f55f62eb" providerId="ADAL" clId="{F1090BDD-33D4-4611-9C7F-63E971FA2220}" dt="2023-05-07T03:17:12.087" v="301" actId="164"/>
+          <ac:spMkLst>
+            <pc:docMk/>
+            <pc:sldMk cId="4135633846" sldId="259"/>
+            <ac:spMk id="10" creationId="{F73E39EB-D048-1028-33AA-99A3EE9B0AF2}"/>
+          </ac:spMkLst>
+        </pc:spChg>
+        <pc:spChg chg="add mod">
+          <ac:chgData name="박재민" userId="6e246547-9693-459d-93fb-5692f55f62eb" providerId="ADAL" clId="{F1090BDD-33D4-4611-9C7F-63E971FA2220}" dt="2023-05-07T03:17:12.087" v="301" actId="164"/>
+          <ac:spMkLst>
+            <pc:docMk/>
+            <pc:sldMk cId="4135633846" sldId="259"/>
+            <ac:spMk id="11" creationId="{FEF3AE5D-85D9-2D33-958B-F2B5D0AE140A}"/>
+          </ac:spMkLst>
+        </pc:spChg>
+        <pc:spChg chg="add mod">
+          <ac:chgData name="박재민" userId="6e246547-9693-459d-93fb-5692f55f62eb" providerId="ADAL" clId="{F1090BDD-33D4-4611-9C7F-63E971FA2220}" dt="2023-05-07T03:17:12.087" v="301" actId="164"/>
+          <ac:spMkLst>
+            <pc:docMk/>
+            <pc:sldMk cId="4135633846" sldId="259"/>
+            <ac:spMk id="12" creationId="{7EE1B497-CB2E-F56D-20C6-7DD964BC7A3C}"/>
+          </ac:spMkLst>
+        </pc:spChg>
+        <pc:spChg chg="add mod">
+          <ac:chgData name="박재민" userId="6e246547-9693-459d-93fb-5692f55f62eb" providerId="ADAL" clId="{F1090BDD-33D4-4611-9C7F-63E971FA2220}" dt="2023-05-07T03:11:33.118" v="185" actId="571"/>
+          <ac:spMkLst>
+            <pc:docMk/>
+            <pc:sldMk cId="4135633846" sldId="259"/>
+            <ac:spMk id="13" creationId="{84A564D8-06F9-C9BD-5EDB-0B6A416A55F9}"/>
+          </ac:spMkLst>
+        </pc:spChg>
+        <pc:spChg chg="add mod">
+          <ac:chgData name="박재민" userId="6e246547-9693-459d-93fb-5692f55f62eb" providerId="ADAL" clId="{F1090BDD-33D4-4611-9C7F-63E971FA2220}" dt="2023-05-07T03:11:33.118" v="185" actId="571"/>
+          <ac:spMkLst>
+            <pc:docMk/>
+            <pc:sldMk cId="4135633846" sldId="259"/>
+            <ac:spMk id="14" creationId="{C60B66E1-E3EC-9A42-FAA0-8B067FAC0529}"/>
+          </ac:spMkLst>
+        </pc:spChg>
+        <pc:spChg chg="add mod">
+          <ac:chgData name="박재민" userId="6e246547-9693-459d-93fb-5692f55f62eb" providerId="ADAL" clId="{F1090BDD-33D4-4611-9C7F-63E971FA2220}" dt="2023-05-07T03:11:33.118" v="185" actId="571"/>
+          <ac:spMkLst>
+            <pc:docMk/>
+            <pc:sldMk cId="4135633846" sldId="259"/>
+            <ac:spMk id="15" creationId="{C07A8158-504A-8082-6847-CE9D10C6C411}"/>
+          </ac:spMkLst>
+        </pc:spChg>
+        <pc:spChg chg="add mod">
+          <ac:chgData name="박재민" userId="6e246547-9693-459d-93fb-5692f55f62eb" providerId="ADAL" clId="{F1090BDD-33D4-4611-9C7F-63E971FA2220}" dt="2023-05-07T03:11:33.118" v="185" actId="571"/>
+          <ac:spMkLst>
+            <pc:docMk/>
+            <pc:sldMk cId="4135633846" sldId="259"/>
+            <ac:spMk id="16" creationId="{BFB4FC34-EC40-3D0A-91AA-925FD3AF46C2}"/>
+          </ac:spMkLst>
+        </pc:spChg>
+        <pc:spChg chg="add del mod">
+          <ac:chgData name="박재민" userId="6e246547-9693-459d-93fb-5692f55f62eb" providerId="ADAL" clId="{F1090BDD-33D4-4611-9C7F-63E971FA2220}" dt="2023-05-07T03:12:25.570" v="199"/>
+          <ac:spMkLst>
+            <pc:docMk/>
+            <pc:sldMk cId="4135633846" sldId="259"/>
+            <ac:spMk id="17" creationId="{4794F32C-6442-E2E9-3413-A2C2F094320B}"/>
+          </ac:spMkLst>
+        </pc:spChg>
+        <pc:spChg chg="add mod">
+          <ac:chgData name="박재민" userId="6e246547-9693-459d-93fb-5692f55f62eb" providerId="ADAL" clId="{F1090BDD-33D4-4611-9C7F-63E971FA2220}" dt="2023-05-07T03:17:12.087" v="301" actId="164"/>
+          <ac:spMkLst>
+            <pc:docMk/>
+            <pc:sldMk cId="4135633846" sldId="259"/>
+            <ac:spMk id="19" creationId="{8FC1A25E-37FF-602C-8895-0039A9C85EC1}"/>
+          </ac:spMkLst>
+        </pc:spChg>
+        <pc:spChg chg="add mod">
+          <ac:chgData name="박재민" userId="6e246547-9693-459d-93fb-5692f55f62eb" providerId="ADAL" clId="{F1090BDD-33D4-4611-9C7F-63E971FA2220}" dt="2023-05-07T03:17:12.087" v="301" actId="164"/>
+          <ac:spMkLst>
+            <pc:docMk/>
+            <pc:sldMk cId="4135633846" sldId="259"/>
+            <ac:spMk id="20" creationId="{A1D5D8BA-B74E-71CE-7609-A927F08379EC}"/>
+          </ac:spMkLst>
+        </pc:spChg>
+        <pc:spChg chg="add mod">
+          <ac:chgData name="박재민" userId="6e246547-9693-459d-93fb-5692f55f62eb" providerId="ADAL" clId="{F1090BDD-33D4-4611-9C7F-63E971FA2220}" dt="2023-05-07T03:17:12.087" v="301" actId="164"/>
+          <ac:spMkLst>
+            <pc:docMk/>
+            <pc:sldMk cId="4135633846" sldId="259"/>
+            <ac:spMk id="21" creationId="{99D11F29-F400-C5E8-74D5-9A0CADD70CC8}"/>
+          </ac:spMkLst>
+        </pc:spChg>
+        <pc:spChg chg="add mod ord">
+          <ac:chgData name="박재민" userId="6e246547-9693-459d-93fb-5692f55f62eb" providerId="ADAL" clId="{F1090BDD-33D4-4611-9C7F-63E971FA2220}" dt="2023-05-07T03:17:12.087" v="301" actId="164"/>
+          <ac:spMkLst>
+            <pc:docMk/>
+            <pc:sldMk cId="4135633846" sldId="259"/>
+            <ac:spMk id="24" creationId="{0E3AE65A-29E2-6FD0-4591-F28E5D25FB61}"/>
+          </ac:spMkLst>
+        </pc:spChg>
+        <pc:spChg chg="add del mod">
+          <ac:chgData name="박재민" userId="6e246547-9693-459d-93fb-5692f55f62eb" providerId="ADAL" clId="{F1090BDD-33D4-4611-9C7F-63E971FA2220}" dt="2023-05-07T03:18:47.394" v="305"/>
+          <ac:spMkLst>
+            <pc:docMk/>
+            <pc:sldMk cId="4135633846" sldId="259"/>
+            <ac:spMk id="26" creationId="{D0EB5024-44AB-5DBF-4798-3FF1D0C7DCD1}"/>
+          </ac:spMkLst>
+        </pc:spChg>
+        <pc:spChg chg="add mod">
+          <ac:chgData name="박재민" userId="6e246547-9693-459d-93fb-5692f55f62eb" providerId="ADAL" clId="{F1090BDD-33D4-4611-9C7F-63E971FA2220}" dt="2023-05-07T03:27:44.449" v="410" actId="164"/>
+          <ac:spMkLst>
+            <pc:docMk/>
+            <pc:sldMk cId="4135633846" sldId="259"/>
+            <ac:spMk id="27" creationId="{565842DD-6F51-88E2-BFF0-30BFF4AA1C40}"/>
+          </ac:spMkLst>
+        </pc:spChg>
+        <pc:spChg chg="add mod">
+          <ac:chgData name="박재민" userId="6e246547-9693-459d-93fb-5692f55f62eb" providerId="ADAL" clId="{F1090BDD-33D4-4611-9C7F-63E971FA2220}" dt="2023-05-07T03:27:44.449" v="410" actId="164"/>
+          <ac:spMkLst>
+            <pc:docMk/>
+            <pc:sldMk cId="4135633846" sldId="259"/>
+            <ac:spMk id="28" creationId="{179E5DDD-69EF-9F1E-82FF-7DF1D61B179D}"/>
+          </ac:spMkLst>
+        </pc:spChg>
+        <pc:spChg chg="add mod">
+          <ac:chgData name="박재민" userId="6e246547-9693-459d-93fb-5692f55f62eb" providerId="ADAL" clId="{F1090BDD-33D4-4611-9C7F-63E971FA2220}" dt="2023-05-07T03:27:44.449" v="410" actId="164"/>
+          <ac:spMkLst>
+            <pc:docMk/>
+            <pc:sldMk cId="4135633846" sldId="259"/>
+            <ac:spMk id="29" creationId="{EA9AA80A-23C5-B00B-FFA3-2DF601410094}"/>
+          </ac:spMkLst>
+        </pc:spChg>
+        <pc:spChg chg="add mod">
+          <ac:chgData name="박재민" userId="6e246547-9693-459d-93fb-5692f55f62eb" providerId="ADAL" clId="{F1090BDD-33D4-4611-9C7F-63E971FA2220}" dt="2023-05-07T03:27:44.449" v="410" actId="164"/>
+          <ac:spMkLst>
+            <pc:docMk/>
+            <pc:sldMk cId="4135633846" sldId="259"/>
+            <ac:spMk id="30" creationId="{39433ABE-F320-AD70-B1A9-DC13EDF15AD7}"/>
+          </ac:spMkLst>
+        </pc:spChg>
+        <pc:spChg chg="add mod">
+          <ac:chgData name="박재민" userId="6e246547-9693-459d-93fb-5692f55f62eb" providerId="ADAL" clId="{F1090BDD-33D4-4611-9C7F-63E971FA2220}" dt="2023-05-07T03:27:44.449" v="410" actId="164"/>
+          <ac:spMkLst>
+            <pc:docMk/>
+            <pc:sldMk cId="4135633846" sldId="259"/>
+            <ac:spMk id="31" creationId="{BCE0870F-8960-46F7-433E-62F1AE537C3A}"/>
+          </ac:spMkLst>
+        </pc:spChg>
+        <pc:spChg chg="add mod">
+          <ac:chgData name="박재민" userId="6e246547-9693-459d-93fb-5692f55f62eb" providerId="ADAL" clId="{F1090BDD-33D4-4611-9C7F-63E971FA2220}" dt="2023-05-07T03:27:44.449" v="410" actId="164"/>
+          <ac:spMkLst>
+            <pc:docMk/>
+            <pc:sldMk cId="4135633846" sldId="259"/>
+            <ac:spMk id="32" creationId="{6AC2CF14-9E96-93CD-1A1C-9154AF9AAEA2}"/>
+          </ac:spMkLst>
+        </pc:spChg>
+        <pc:spChg chg="add del mod">
+          <ac:chgData name="박재민" userId="6e246547-9693-459d-93fb-5692f55f62eb" providerId="ADAL" clId="{F1090BDD-33D4-4611-9C7F-63E971FA2220}" dt="2023-05-07T03:20:45.175" v="332"/>
+          <ac:spMkLst>
+            <pc:docMk/>
+            <pc:sldMk cId="4135633846" sldId="259"/>
+            <ac:spMk id="33" creationId="{9E447B42-9C3C-8006-E203-1C82F5D2EAF6}"/>
+          </ac:spMkLst>
+        </pc:spChg>
+        <pc:spChg chg="add mod">
+          <ac:chgData name="박재민" userId="6e246547-9693-459d-93fb-5692f55f62eb" providerId="ADAL" clId="{F1090BDD-33D4-4611-9C7F-63E971FA2220}" dt="2023-05-07T03:27:44.449" v="410" actId="164"/>
+          <ac:spMkLst>
+            <pc:docMk/>
+            <pc:sldMk cId="4135633846" sldId="259"/>
+            <ac:spMk id="34" creationId="{08E1538E-14C2-A24F-71CF-FD5D1A066EA9}"/>
+          </ac:spMkLst>
+        </pc:spChg>
+        <pc:spChg chg="add del mod">
+          <ac:chgData name="박재민" userId="6e246547-9693-459d-93fb-5692f55f62eb" providerId="ADAL" clId="{F1090BDD-33D4-4611-9C7F-63E971FA2220}" dt="2023-05-07T03:26:11.502" v="389" actId="478"/>
+          <ac:spMkLst>
+            <pc:docMk/>
+            <pc:sldMk cId="4135633846" sldId="259"/>
+            <ac:spMk id="35" creationId="{5F6F1AC4-A436-65A0-347A-BDAEA8C0B2C1}"/>
+          </ac:spMkLst>
+        </pc:spChg>
+        <pc:spChg chg="add mod">
+          <ac:chgData name="박재민" userId="6e246547-9693-459d-93fb-5692f55f62eb" providerId="ADAL" clId="{F1090BDD-33D4-4611-9C7F-63E971FA2220}" dt="2023-05-07T03:27:44.449" v="410" actId="164"/>
+          <ac:spMkLst>
+            <pc:docMk/>
+            <pc:sldMk cId="4135633846" sldId="259"/>
+            <ac:spMk id="36" creationId="{EC63E16D-8CDD-7F73-C870-E14997ADFA92}"/>
+          </ac:spMkLst>
+        </pc:spChg>
+        <pc:spChg chg="add mod">
+          <ac:chgData name="박재민" userId="6e246547-9693-459d-93fb-5692f55f62eb" providerId="ADAL" clId="{F1090BDD-33D4-4611-9C7F-63E971FA2220}" dt="2023-05-07T03:27:44.449" v="410" actId="164"/>
+          <ac:spMkLst>
+            <pc:docMk/>
+            <pc:sldMk cId="4135633846" sldId="259"/>
+            <ac:spMk id="37" creationId="{1F423DAC-9597-A574-980A-F15A364D33C6}"/>
+          </ac:spMkLst>
+        </pc:spChg>
+        <pc:spChg chg="add mod">
+          <ac:chgData name="박재민" userId="6e246547-9693-459d-93fb-5692f55f62eb" providerId="ADAL" clId="{F1090BDD-33D4-4611-9C7F-63E971FA2220}" dt="2023-05-07T03:27:44.449" v="410" actId="164"/>
+          <ac:spMkLst>
+            <pc:docMk/>
+            <pc:sldMk cId="4135633846" sldId="259"/>
+            <ac:spMk id="38" creationId="{E3DB3E55-D66A-2FFA-905A-EBF78601092A}"/>
+          </ac:spMkLst>
+        </pc:spChg>
+        <pc:spChg chg="add mod ord">
+          <ac:chgData name="박재민" userId="6e246547-9693-459d-93fb-5692f55f62eb" providerId="ADAL" clId="{F1090BDD-33D4-4611-9C7F-63E971FA2220}" dt="2023-05-07T03:28:13.493" v="416" actId="164"/>
+          <ac:spMkLst>
+            <pc:docMk/>
+            <pc:sldMk cId="4135633846" sldId="259"/>
+            <ac:spMk id="43" creationId="{666F410F-BFF8-A160-5550-AE3467DA2BB5}"/>
+          </ac:spMkLst>
+        </pc:spChg>
+        <pc:grpChg chg="add mod">
+          <ac:chgData name="박재민" userId="6e246547-9693-459d-93fb-5692f55f62eb" providerId="ADAL" clId="{F1090BDD-33D4-4611-9C7F-63E971FA2220}" dt="2023-05-07T03:28:16.546" v="417" actId="1076"/>
+          <ac:grpSpMkLst>
+            <pc:docMk/>
+            <pc:sldMk cId="4135633846" sldId="259"/>
+            <ac:grpSpMk id="25" creationId="{DCDA0280-BBB3-1C23-0648-E49CD011793A}"/>
+          </ac:grpSpMkLst>
+        </pc:grpChg>
+        <pc:grpChg chg="add mod">
+          <ac:chgData name="박재민" userId="6e246547-9693-459d-93fb-5692f55f62eb" providerId="ADAL" clId="{F1090BDD-33D4-4611-9C7F-63E971FA2220}" dt="2023-05-07T03:28:13.493" v="416" actId="164"/>
+          <ac:grpSpMkLst>
+            <pc:docMk/>
+            <pc:sldMk cId="4135633846" sldId="259"/>
+            <ac:grpSpMk id="44" creationId="{4FB55F14-FDB6-F9C3-EC72-9CFA23B755EE}"/>
+          </ac:grpSpMkLst>
+        </pc:grpChg>
+        <pc:grpChg chg="add mod">
+          <ac:chgData name="박재민" userId="6e246547-9693-459d-93fb-5692f55f62eb" providerId="ADAL" clId="{F1090BDD-33D4-4611-9C7F-63E971FA2220}" dt="2023-05-07T03:28:13.493" v="416" actId="164"/>
+          <ac:grpSpMkLst>
+            <pc:docMk/>
+            <pc:sldMk cId="4135633846" sldId="259"/>
+            <ac:grpSpMk id="45" creationId="{1F8E9C16-7A1E-D7D1-A498-E30B8EF17DF4}"/>
+          </ac:grpSpMkLst>
+        </pc:grpChg>
+        <pc:cxnChg chg="add mod ord">
+          <ac:chgData name="박재민" userId="6e246547-9693-459d-93fb-5692f55f62eb" providerId="ADAL" clId="{F1090BDD-33D4-4611-9C7F-63E971FA2220}" dt="2023-05-07T03:26:54.910" v="401" actId="692"/>
+          <ac:cxnSpMkLst>
+            <pc:docMk/>
+            <pc:sldMk cId="4135633846" sldId="259"/>
+            <ac:cxnSpMk id="6" creationId="{08BB2EA2-70E7-22C3-B2B9-6CA7DC5FE3C5}"/>
+          </ac:cxnSpMkLst>
+        </pc:cxnChg>
+        <pc:cxnChg chg="add mod">
+          <ac:chgData name="박재민" userId="6e246547-9693-459d-93fb-5692f55f62eb" providerId="ADAL" clId="{F1090BDD-33D4-4611-9C7F-63E971FA2220}" dt="2023-05-07T03:27:44.449" v="410" actId="164"/>
+          <ac:cxnSpMkLst>
+            <pc:docMk/>
+            <pc:sldMk cId="4135633846" sldId="259"/>
+            <ac:cxnSpMk id="39" creationId="{A420D4B6-F220-1D68-D461-B028EE99A32D}"/>
+          </ac:cxnSpMkLst>
+        </pc:cxnChg>
+        <pc:cxnChg chg="add mod">
+          <ac:chgData name="박재민" userId="6e246547-9693-459d-93fb-5692f55f62eb" providerId="ADAL" clId="{F1090BDD-33D4-4611-9C7F-63E971FA2220}" dt="2023-05-07T03:27:44.449" v="410" actId="164"/>
+          <ac:cxnSpMkLst>
+            <pc:docMk/>
+            <pc:sldMk cId="4135633846" sldId="259"/>
+            <ac:cxnSpMk id="41" creationId="{A32059B7-B114-5CAF-41D5-6C0EDB2B655F}"/>
+          </ac:cxnSpMkLst>
+        </pc:cxnChg>
+        <pc:cxnChg chg="add mod">
+          <ac:chgData name="박재민" userId="6e246547-9693-459d-93fb-5692f55f62eb" providerId="ADAL" clId="{F1090BDD-33D4-4611-9C7F-63E971FA2220}" dt="2023-05-07T03:27:44.449" v="410" actId="164"/>
+          <ac:cxnSpMkLst>
+            <pc:docMk/>
+            <pc:sldMk cId="4135633846" sldId="259"/>
+            <ac:cxnSpMk id="42" creationId="{6F081902-A189-671D-4909-E2BA2D9CA3DF}"/>
+          </ac:cxnSpMkLst>
+        </pc:cxnChg>
+      </pc:sldChg>
     </pc:docChg>
   </pc:docChgLst>
 </pc:chgInfo>
@@ -513,7 +833,7 @@
           <a:p>
             <a:fld id="{01E7E064-7B34-44A7-B06C-5CD6DE601FAC}" type="datetimeFigureOut">
               <a:rPr lang="ko-KR" altLang="en-US" smtClean="0"/>
-              <a:t>2023-05-06</a:t>
+              <a:t>2023-05-07</a:t>
             </a:fld>
             <a:endParaRPr lang="ko-KR" altLang="en-US"/>
           </a:p>
@@ -711,7 +1031,7 @@
           <a:p>
             <a:fld id="{01E7E064-7B34-44A7-B06C-5CD6DE601FAC}" type="datetimeFigureOut">
               <a:rPr lang="ko-KR" altLang="en-US" smtClean="0"/>
-              <a:t>2023-05-06</a:t>
+              <a:t>2023-05-07</a:t>
             </a:fld>
             <a:endParaRPr lang="ko-KR" altLang="en-US"/>
           </a:p>
@@ -919,7 +1239,7 @@
           <a:p>
             <a:fld id="{01E7E064-7B34-44A7-B06C-5CD6DE601FAC}" type="datetimeFigureOut">
               <a:rPr lang="ko-KR" altLang="en-US" smtClean="0"/>
-              <a:t>2023-05-06</a:t>
+              <a:t>2023-05-07</a:t>
             </a:fld>
             <a:endParaRPr lang="ko-KR" altLang="en-US"/>
           </a:p>
@@ -1117,7 +1437,7 @@
           <a:p>
             <a:fld id="{01E7E064-7B34-44A7-B06C-5CD6DE601FAC}" type="datetimeFigureOut">
               <a:rPr lang="ko-KR" altLang="en-US" smtClean="0"/>
-              <a:t>2023-05-06</a:t>
+              <a:t>2023-05-07</a:t>
             </a:fld>
             <a:endParaRPr lang="ko-KR" altLang="en-US"/>
           </a:p>
@@ -1392,7 +1712,7 @@
           <a:p>
             <a:fld id="{01E7E064-7B34-44A7-B06C-5CD6DE601FAC}" type="datetimeFigureOut">
               <a:rPr lang="ko-KR" altLang="en-US" smtClean="0"/>
-              <a:t>2023-05-06</a:t>
+              <a:t>2023-05-07</a:t>
             </a:fld>
             <a:endParaRPr lang="ko-KR" altLang="en-US"/>
           </a:p>
@@ -1657,7 +1977,7 @@
           <a:p>
             <a:fld id="{01E7E064-7B34-44A7-B06C-5CD6DE601FAC}" type="datetimeFigureOut">
               <a:rPr lang="ko-KR" altLang="en-US" smtClean="0"/>
-              <a:t>2023-05-06</a:t>
+              <a:t>2023-05-07</a:t>
             </a:fld>
             <a:endParaRPr lang="ko-KR" altLang="en-US"/>
           </a:p>
@@ -2069,7 +2389,7 @@
           <a:p>
             <a:fld id="{01E7E064-7B34-44A7-B06C-5CD6DE601FAC}" type="datetimeFigureOut">
               <a:rPr lang="ko-KR" altLang="en-US" smtClean="0"/>
-              <a:t>2023-05-06</a:t>
+              <a:t>2023-05-07</a:t>
             </a:fld>
             <a:endParaRPr lang="ko-KR" altLang="en-US"/>
           </a:p>
@@ -2210,7 +2530,7 @@
           <a:p>
             <a:fld id="{01E7E064-7B34-44A7-B06C-5CD6DE601FAC}" type="datetimeFigureOut">
               <a:rPr lang="ko-KR" altLang="en-US" smtClean="0"/>
-              <a:t>2023-05-06</a:t>
+              <a:t>2023-05-07</a:t>
             </a:fld>
             <a:endParaRPr lang="ko-KR" altLang="en-US"/>
           </a:p>
@@ -2323,7 +2643,7 @@
           <a:p>
             <a:fld id="{01E7E064-7B34-44A7-B06C-5CD6DE601FAC}" type="datetimeFigureOut">
               <a:rPr lang="ko-KR" altLang="en-US" smtClean="0"/>
-              <a:t>2023-05-06</a:t>
+              <a:t>2023-05-07</a:t>
             </a:fld>
             <a:endParaRPr lang="ko-KR" altLang="en-US"/>
           </a:p>
@@ -2634,7 +2954,7 @@
           <a:p>
             <a:fld id="{01E7E064-7B34-44A7-B06C-5CD6DE601FAC}" type="datetimeFigureOut">
               <a:rPr lang="ko-KR" altLang="en-US" smtClean="0"/>
-              <a:t>2023-05-06</a:t>
+              <a:t>2023-05-07</a:t>
             </a:fld>
             <a:endParaRPr lang="ko-KR" altLang="en-US"/>
           </a:p>
@@ -2922,7 +3242,7 @@
           <a:p>
             <a:fld id="{01E7E064-7B34-44A7-B06C-5CD6DE601FAC}" type="datetimeFigureOut">
               <a:rPr lang="ko-KR" altLang="en-US" smtClean="0"/>
-              <a:t>2023-05-06</a:t>
+              <a:t>2023-05-07</a:t>
             </a:fld>
             <a:endParaRPr lang="ko-KR" altLang="en-US"/>
           </a:p>
@@ -3163,7 +3483,7 @@
           <a:p>
             <a:fld id="{01E7E064-7B34-44A7-B06C-5CD6DE601FAC}" type="datetimeFigureOut">
               <a:rPr lang="ko-KR" altLang="en-US" smtClean="0"/>
-              <a:t>2023-05-06</a:t>
+              <a:t>2023-05-07</a:t>
             </a:fld>
             <a:endParaRPr lang="ko-KR" altLang="en-US"/>
           </a:p>
@@ -6918,8 +7238,8 @@
             </a:p>
           </p:txBody>
         </p:sp>
-        <mc:AlternateContent xmlns:mc="http://schemas.openxmlformats.org/markup-compatibility/2006">
-          <mc:Choice xmlns:a14="http://schemas.microsoft.com/office/drawing/2010/main" Requires="a14">
+        <mc:AlternateContent xmlns:mc="http://schemas.openxmlformats.org/markup-compatibility/2006" xmlns:a14="http://schemas.microsoft.com/office/drawing/2010/main">
+          <mc:Choice Requires="a14">
             <p:sp>
               <p:nvSpPr>
                 <p:cNvPr id="11" name="타원 10">
@@ -7029,7 +7349,7 @@
               </p:txBody>
             </p:sp>
           </mc:Choice>
-          <mc:Fallback>
+          <mc:Fallback xmlns="">
             <p:sp>
               <p:nvSpPr>
                 <p:cNvPr id="11" name="타원 10">
@@ -7079,8 +7399,8 @@
             </p:sp>
           </mc:Fallback>
         </mc:AlternateContent>
-        <mc:AlternateContent xmlns:mc="http://schemas.openxmlformats.org/markup-compatibility/2006">
-          <mc:Choice xmlns:a14="http://schemas.microsoft.com/office/drawing/2010/main" Requires="a14">
+        <mc:AlternateContent xmlns:mc="http://schemas.openxmlformats.org/markup-compatibility/2006" xmlns:a14="http://schemas.microsoft.com/office/drawing/2010/main">
+          <mc:Choice Requires="a14">
             <p:sp>
               <p:nvSpPr>
                 <p:cNvPr id="12" name="타원 11">
@@ -7165,7 +7485,7 @@
               </p:txBody>
             </p:sp>
           </mc:Choice>
-          <mc:Fallback>
+          <mc:Fallback xmlns="">
             <p:sp>
               <p:nvSpPr>
                 <p:cNvPr id="12" name="타원 11">
@@ -7215,8 +7535,8 @@
             </p:sp>
           </mc:Fallback>
         </mc:AlternateContent>
-        <mc:AlternateContent xmlns:mc="http://schemas.openxmlformats.org/markup-compatibility/2006">
-          <mc:Choice xmlns:a14="http://schemas.microsoft.com/office/drawing/2010/main" Requires="a14">
+        <mc:AlternateContent xmlns:mc="http://schemas.openxmlformats.org/markup-compatibility/2006" xmlns:a14="http://schemas.microsoft.com/office/drawing/2010/main">
+          <mc:Choice Requires="a14">
             <p:sp>
               <p:nvSpPr>
                 <p:cNvPr id="13" name="타원 12">
@@ -7301,7 +7621,7 @@
               </p:txBody>
             </p:sp>
           </mc:Choice>
-          <mc:Fallback>
+          <mc:Fallback xmlns="">
             <p:sp>
               <p:nvSpPr>
                 <p:cNvPr id="13" name="타원 12">
@@ -7451,8 +7771,8 @@
             </a:p>
           </p:txBody>
         </p:sp>
-        <mc:AlternateContent xmlns:mc="http://schemas.openxmlformats.org/markup-compatibility/2006">
-          <mc:Choice xmlns:a14="http://schemas.microsoft.com/office/drawing/2010/main" Requires="a14">
+        <mc:AlternateContent xmlns:mc="http://schemas.openxmlformats.org/markup-compatibility/2006" xmlns:a14="http://schemas.microsoft.com/office/drawing/2010/main">
+          <mc:Choice Requires="a14">
             <p:sp>
               <p:nvSpPr>
                 <p:cNvPr id="2" name="타원 1">
@@ -7562,7 +7882,7 @@
               </p:txBody>
             </p:sp>
           </mc:Choice>
-          <mc:Fallback>
+          <mc:Fallback xmlns="">
             <p:sp>
               <p:nvSpPr>
                 <p:cNvPr id="2" name="타원 1">
@@ -7612,8 +7932,8 @@
             </p:sp>
           </mc:Fallback>
         </mc:AlternateContent>
-        <mc:AlternateContent xmlns:mc="http://schemas.openxmlformats.org/markup-compatibility/2006">
-          <mc:Choice xmlns:a14="http://schemas.microsoft.com/office/drawing/2010/main" Requires="a14">
+        <mc:AlternateContent xmlns:mc="http://schemas.openxmlformats.org/markup-compatibility/2006" xmlns:a14="http://schemas.microsoft.com/office/drawing/2010/main">
+          <mc:Choice Requires="a14">
             <p:sp>
               <p:nvSpPr>
                 <p:cNvPr id="4" name="타원 3">
@@ -7698,7 +8018,7 @@
               </p:txBody>
             </p:sp>
           </mc:Choice>
-          <mc:Fallback>
+          <mc:Fallback xmlns="">
             <p:sp>
               <p:nvSpPr>
                 <p:cNvPr id="4" name="타원 3">
@@ -7748,8 +8068,8 @@
             </p:sp>
           </mc:Fallback>
         </mc:AlternateContent>
-        <mc:AlternateContent xmlns:mc="http://schemas.openxmlformats.org/markup-compatibility/2006">
-          <mc:Choice xmlns:a14="http://schemas.microsoft.com/office/drawing/2010/main" Requires="a14">
+        <mc:AlternateContent xmlns:mc="http://schemas.openxmlformats.org/markup-compatibility/2006" xmlns:a14="http://schemas.microsoft.com/office/drawing/2010/main">
+          <mc:Choice Requires="a14">
             <p:sp>
               <p:nvSpPr>
                 <p:cNvPr id="5" name="타원 4">
@@ -7834,7 +8154,7 @@
               </p:txBody>
             </p:sp>
           </mc:Choice>
-          <mc:Fallback>
+          <mc:Fallback xmlns="">
             <p:sp>
               <p:nvSpPr>
                 <p:cNvPr id="5" name="타원 4">
@@ -7884,8 +8204,8 @@
             </p:sp>
           </mc:Fallback>
         </mc:AlternateContent>
-        <mc:AlternateContent xmlns:mc="http://schemas.openxmlformats.org/markup-compatibility/2006">
-          <mc:Choice xmlns:a14="http://schemas.microsoft.com/office/drawing/2010/main" Requires="a14">
+        <mc:AlternateContent xmlns:mc="http://schemas.openxmlformats.org/markup-compatibility/2006" xmlns:a14="http://schemas.microsoft.com/office/drawing/2010/main">
+          <mc:Choice Requires="a14">
             <p:sp>
               <p:nvSpPr>
                 <p:cNvPr id="6" name="타원 5">
@@ -7970,7 +8290,7 @@
               </p:txBody>
             </p:sp>
           </mc:Choice>
-          <mc:Fallback>
+          <mc:Fallback xmlns="">
             <p:sp>
               <p:nvSpPr>
                 <p:cNvPr id="6" name="타원 5">
@@ -8160,6 +8480,1765 @@
     <p:extLst>
       <p:ext uri="{BB962C8B-B14F-4D97-AF65-F5344CB8AC3E}">
         <p14:creationId xmlns:p14="http://schemas.microsoft.com/office/powerpoint/2010/main" val="832173681"/>
+      </p:ext>
+    </p:extLst>
+  </p:cSld>
+  <p:clrMapOvr>
+    <a:masterClrMapping/>
+  </p:clrMapOvr>
+</p:sld>
+</file>
+
+<file path=ppt/slides/slide3.xml><?xml version="1.0" encoding="utf-8"?>
+<p:sld xmlns:a="http://schemas.openxmlformats.org/drawingml/2006/main" xmlns:r="http://schemas.openxmlformats.org/officeDocument/2006/relationships" xmlns:p="http://schemas.openxmlformats.org/presentationml/2006/main">
+  <p:cSld>
+    <p:spTree>
+      <p:nvGrpSpPr>
+        <p:cNvPr id="1" name=""/>
+        <p:cNvGrpSpPr/>
+        <p:nvPr/>
+      </p:nvGrpSpPr>
+      <p:grpSpPr>
+        <a:xfrm>
+          <a:off x="0" y="0"/>
+          <a:ext cx="0" cy="0"/>
+          <a:chOff x="0" y="0"/>
+          <a:chExt cx="0" cy="0"/>
+        </a:xfrm>
+      </p:grpSpPr>
+      <p:grpSp>
+        <p:nvGrpSpPr>
+          <p:cNvPr id="25" name="그룹 24">
+            <a:extLst>
+              <a:ext uri="{FF2B5EF4-FFF2-40B4-BE49-F238E27FC236}">
+                <a16:creationId xmlns:a16="http://schemas.microsoft.com/office/drawing/2014/main" id="{DCDA0280-BBB3-1C23-0648-E49CD011793A}"/>
+              </a:ext>
+            </a:extLst>
+          </p:cNvPr>
+          <p:cNvGrpSpPr/>
+          <p:nvPr/>
+        </p:nvGrpSpPr>
+        <p:grpSpPr>
+          <a:xfrm>
+            <a:off x="2527300" y="359110"/>
+            <a:ext cx="6940550" cy="2247900"/>
+            <a:chOff x="850900" y="698500"/>
+            <a:chExt cx="6940550" cy="2247900"/>
+          </a:xfrm>
+        </p:grpSpPr>
+        <p:sp>
+          <p:nvSpPr>
+            <p:cNvPr id="24" name="직사각형 23">
+              <a:extLst>
+                <a:ext uri="{FF2B5EF4-FFF2-40B4-BE49-F238E27FC236}">
+                  <a16:creationId xmlns:a16="http://schemas.microsoft.com/office/drawing/2014/main" id="{0E3AE65A-29E2-6FD0-4591-F28E5D25FB61}"/>
+                </a:ext>
+              </a:extLst>
+            </p:cNvPr>
+            <p:cNvSpPr/>
+            <p:nvPr/>
+          </p:nvSpPr>
+          <p:spPr>
+            <a:xfrm>
+              <a:off x="850900" y="698500"/>
+              <a:ext cx="6940550" cy="2247900"/>
+            </a:xfrm>
+            <a:prstGeom prst="rect">
+              <a:avLst/>
+            </a:prstGeom>
+            <a:solidFill>
+              <a:schemeClr val="bg1"/>
+            </a:solidFill>
+            <a:ln>
+              <a:noFill/>
+            </a:ln>
+          </p:spPr>
+          <p:style>
+            <a:lnRef idx="2">
+              <a:schemeClr val="accent1">
+                <a:shade val="50000"/>
+              </a:schemeClr>
+            </a:lnRef>
+            <a:fillRef idx="1">
+              <a:schemeClr val="accent1"/>
+            </a:fillRef>
+            <a:effectRef idx="0">
+              <a:schemeClr val="accent1"/>
+            </a:effectRef>
+            <a:fontRef idx="minor">
+              <a:schemeClr val="lt1"/>
+            </a:fontRef>
+          </p:style>
+          <p:txBody>
+            <a:bodyPr rtlCol="0" anchor="ctr"/>
+            <a:lstStyle/>
+            <a:p>
+              <a:pPr algn="ctr"/>
+              <a:endParaRPr lang="ko-KR" altLang="en-US"/>
+            </a:p>
+          </p:txBody>
+        </p:sp>
+        <p:sp>
+          <p:nvSpPr>
+            <p:cNvPr id="2" name="직사각형 1">
+              <a:extLst>
+                <a:ext uri="{FF2B5EF4-FFF2-40B4-BE49-F238E27FC236}">
+                  <a16:creationId xmlns:a16="http://schemas.microsoft.com/office/drawing/2014/main" id="{5C8CD1E1-928B-BB94-4E1A-6472F97A376F}"/>
+                </a:ext>
+              </a:extLst>
+            </p:cNvPr>
+            <p:cNvSpPr/>
+            <p:nvPr/>
+          </p:nvSpPr>
+          <p:spPr>
+            <a:xfrm>
+              <a:off x="2273969" y="1191127"/>
+              <a:ext cx="4857081" cy="368133"/>
+            </a:xfrm>
+            <a:prstGeom prst="rect">
+              <a:avLst/>
+            </a:prstGeom>
+            <a:noFill/>
+            <a:ln w="25400">
+              <a:solidFill>
+                <a:srgbClr val="FF5BE0"/>
+              </a:solidFill>
+            </a:ln>
+          </p:spPr>
+          <p:style>
+            <a:lnRef idx="2">
+              <a:schemeClr val="accent1">
+                <a:shade val="50000"/>
+              </a:schemeClr>
+            </a:lnRef>
+            <a:fillRef idx="1">
+              <a:schemeClr val="accent1"/>
+            </a:fillRef>
+            <a:effectRef idx="0">
+              <a:schemeClr val="accent1"/>
+            </a:effectRef>
+            <a:fontRef idx="minor">
+              <a:schemeClr val="lt1"/>
+            </a:fontRef>
+          </p:style>
+          <p:txBody>
+            <a:bodyPr rtlCol="0" anchor="ctr"/>
+            <a:lstStyle/>
+            <a:p>
+              <a:pPr algn="ctr"/>
+              <a:endParaRPr lang="ko-KR" altLang="en-US" dirty="0"/>
+            </a:p>
+          </p:txBody>
+        </p:sp>
+        <mc:AlternateContent xmlns:mc="http://schemas.openxmlformats.org/markup-compatibility/2006">
+          <mc:Choice xmlns:a14="http://schemas.microsoft.com/office/drawing/2010/main" Requires="a14">
+            <p:sp>
+              <p:nvSpPr>
+                <p:cNvPr id="7" name="TextBox 6">
+                  <a:extLst>
+                    <a:ext uri="{FF2B5EF4-FFF2-40B4-BE49-F238E27FC236}">
+                      <a16:creationId xmlns:a16="http://schemas.microsoft.com/office/drawing/2014/main" id="{185C8078-0936-0DEA-CA1E-54B1B5F766CB}"/>
+                    </a:ext>
+                  </a:extLst>
+                </p:cNvPr>
+                <p:cNvSpPr txBox="1"/>
+                <p:nvPr/>
+              </p:nvSpPr>
+              <p:spPr>
+                <a:xfrm>
+                  <a:off x="6751983" y="855532"/>
+                  <a:ext cx="467918" cy="307777"/>
+                </a:xfrm>
+                <a:prstGeom prst="rect">
+                  <a:avLst/>
+                </a:prstGeom>
+                <a:noFill/>
+              </p:spPr>
+              <p:txBody>
+                <a:bodyPr wrap="none" rtlCol="0">
+                  <a:spAutoFit/>
+                </a:bodyPr>
+                <a:lstStyle/>
+                <a:p>
+                  <a14:m>
+                    <m:oMathPara xmlns:m="http://schemas.openxmlformats.org/officeDocument/2006/math">
+                      <m:oMathParaPr>
+                        <m:jc m:val="centerGroup"/>
+                      </m:oMathParaPr>
+                      <m:oMath xmlns:m="http://schemas.openxmlformats.org/officeDocument/2006/math">
+                        <m:r>
+                          <a:rPr lang="en-US" altLang="ko-KR" sz="1400" i="1" dirty="0" smtClean="0">
+                            <a:latin typeface="Cambria Math" panose="02040503050406030204" pitchFamily="18" charset="0"/>
+                          </a:rPr>
+                          <m:t>𝑖</m:t>
+                        </m:r>
+                        <m:r>
+                          <a:rPr lang="en-US" altLang="ko-KR" sz="1400" i="1" dirty="0" smtClean="0">
+                            <a:latin typeface="Cambria Math" panose="02040503050406030204" pitchFamily="18" charset="0"/>
+                          </a:rPr>
+                          <m:t>+1</m:t>
+                        </m:r>
+                      </m:oMath>
+                    </m:oMathPara>
+                  </a14:m>
+                  <a:endParaRPr lang="ko-KR" altLang="en-US" sz="1400" dirty="0"/>
+                </a:p>
+              </p:txBody>
+            </p:sp>
+          </mc:Choice>
+          <mc:Fallback>
+            <p:sp>
+              <p:nvSpPr>
+                <p:cNvPr id="7" name="TextBox 6">
+                  <a:extLst>
+                    <a:ext uri="{FF2B5EF4-FFF2-40B4-BE49-F238E27FC236}">
+                      <a16:creationId xmlns:a16="http://schemas.microsoft.com/office/drawing/2014/main" id="{185C8078-0936-0DEA-CA1E-54B1B5F766CB}"/>
+                    </a:ext>
+                  </a:extLst>
+                </p:cNvPr>
+                <p:cNvSpPr txBox="1">
+                  <a:spLocks noRot="1" noChangeAspect="1" noMove="1" noResize="1" noEditPoints="1" noAdjustHandles="1" noChangeArrowheads="1" noChangeShapeType="1" noTextEdit="1"/>
+                </p:cNvSpPr>
+                <p:nvPr/>
+              </p:nvSpPr>
+              <p:spPr>
+                <a:xfrm>
+                  <a:off x="6751983" y="855532"/>
+                  <a:ext cx="467918" cy="307777"/>
+                </a:xfrm>
+                <a:prstGeom prst="rect">
+                  <a:avLst/>
+                </a:prstGeom>
+                <a:blipFill>
+                  <a:blip r:embed="rId2"/>
+                  <a:stretch>
+                    <a:fillRect r="-13158"/>
+                  </a:stretch>
+                </a:blipFill>
+              </p:spPr>
+              <p:txBody>
+                <a:bodyPr/>
+                <a:lstStyle/>
+                <a:p>
+                  <a:r>
+                    <a:rPr lang="ko-KR" altLang="en-US">
+                      <a:noFill/>
+                    </a:rPr>
+                    <a:t> </a:t>
+                  </a:r>
+                </a:p>
+              </p:txBody>
+            </p:sp>
+          </mc:Fallback>
+        </mc:AlternateContent>
+        <p:sp>
+          <p:nvSpPr>
+            <p:cNvPr id="8" name="직사각형 7">
+              <a:extLst>
+                <a:ext uri="{FF2B5EF4-FFF2-40B4-BE49-F238E27FC236}">
+                  <a16:creationId xmlns:a16="http://schemas.microsoft.com/office/drawing/2014/main" id="{6680953A-27F5-AE61-BA9D-0BDB107DA5CA}"/>
+                </a:ext>
+              </a:extLst>
+            </p:cNvPr>
+            <p:cNvSpPr/>
+            <p:nvPr/>
+          </p:nvSpPr>
+          <p:spPr>
+            <a:xfrm>
+              <a:off x="5219702" y="1696208"/>
+              <a:ext cx="1911348" cy="368133"/>
+            </a:xfrm>
+            <a:prstGeom prst="rect">
+              <a:avLst/>
+            </a:prstGeom>
+            <a:noFill/>
+            <a:ln w="25400">
+              <a:solidFill>
+                <a:srgbClr val="26E2A3"/>
+              </a:solidFill>
+            </a:ln>
+          </p:spPr>
+          <p:style>
+            <a:lnRef idx="2">
+              <a:schemeClr val="accent1">
+                <a:shade val="50000"/>
+              </a:schemeClr>
+            </a:lnRef>
+            <a:fillRef idx="1">
+              <a:schemeClr val="accent1"/>
+            </a:fillRef>
+            <a:effectRef idx="0">
+              <a:schemeClr val="accent1"/>
+            </a:effectRef>
+            <a:fontRef idx="minor">
+              <a:schemeClr val="lt1"/>
+            </a:fontRef>
+          </p:style>
+          <p:txBody>
+            <a:bodyPr rtlCol="0" anchor="ctr"/>
+            <a:lstStyle/>
+            <a:p>
+              <a:pPr algn="ctr"/>
+              <a:endParaRPr lang="ko-KR" altLang="en-US"/>
+            </a:p>
+          </p:txBody>
+        </p:sp>
+        <p:sp>
+          <p:nvSpPr>
+            <p:cNvPr id="10" name="직사각형 9">
+              <a:extLst>
+                <a:ext uri="{FF2B5EF4-FFF2-40B4-BE49-F238E27FC236}">
+                  <a16:creationId xmlns:a16="http://schemas.microsoft.com/office/drawing/2014/main" id="{F73E39EB-D048-1028-33AA-99A3EE9B0AF2}"/>
+                </a:ext>
+              </a:extLst>
+            </p:cNvPr>
+            <p:cNvSpPr/>
+            <p:nvPr/>
+          </p:nvSpPr>
+          <p:spPr>
+            <a:xfrm>
+              <a:off x="2273970" y="1696208"/>
+              <a:ext cx="1911348" cy="368133"/>
+            </a:xfrm>
+            <a:prstGeom prst="rect">
+              <a:avLst/>
+            </a:prstGeom>
+            <a:noFill/>
+            <a:ln w="25400">
+              <a:solidFill>
+                <a:srgbClr val="26E2A3"/>
+              </a:solidFill>
+            </a:ln>
+          </p:spPr>
+          <p:style>
+            <a:lnRef idx="2">
+              <a:schemeClr val="accent1">
+                <a:shade val="50000"/>
+              </a:schemeClr>
+            </a:lnRef>
+            <a:fillRef idx="1">
+              <a:schemeClr val="accent1"/>
+            </a:fillRef>
+            <a:effectRef idx="0">
+              <a:schemeClr val="accent1"/>
+            </a:effectRef>
+            <a:fontRef idx="minor">
+              <a:schemeClr val="lt1"/>
+            </a:fontRef>
+          </p:style>
+          <p:txBody>
+            <a:bodyPr rtlCol="0" anchor="ctr"/>
+            <a:lstStyle/>
+            <a:p>
+              <a:pPr algn="ctr"/>
+              <a:endParaRPr lang="ko-KR" altLang="en-US"/>
+            </a:p>
+          </p:txBody>
+        </p:sp>
+        <p:sp>
+          <p:nvSpPr>
+            <p:cNvPr id="11" name="직사각형 10">
+              <a:extLst>
+                <a:ext uri="{FF2B5EF4-FFF2-40B4-BE49-F238E27FC236}">
+                  <a16:creationId xmlns:a16="http://schemas.microsoft.com/office/drawing/2014/main" id="{FEF3AE5D-85D9-2D33-958B-F2B5D0AE140A}"/>
+                </a:ext>
+              </a:extLst>
+            </p:cNvPr>
+            <p:cNvSpPr/>
+            <p:nvPr/>
+          </p:nvSpPr>
+          <p:spPr>
+            <a:xfrm>
+              <a:off x="5219702" y="2201289"/>
+              <a:ext cx="1532282" cy="368133"/>
+            </a:xfrm>
+            <a:prstGeom prst="rect">
+              <a:avLst/>
+            </a:prstGeom>
+            <a:noFill/>
+            <a:ln w="25400">
+              <a:solidFill>
+                <a:srgbClr val="0ABEFE"/>
+              </a:solidFill>
+            </a:ln>
+          </p:spPr>
+          <p:style>
+            <a:lnRef idx="2">
+              <a:schemeClr val="accent1">
+                <a:shade val="50000"/>
+              </a:schemeClr>
+            </a:lnRef>
+            <a:fillRef idx="1">
+              <a:schemeClr val="accent1"/>
+            </a:fillRef>
+            <a:effectRef idx="0">
+              <a:schemeClr val="accent1"/>
+            </a:effectRef>
+            <a:fontRef idx="minor">
+              <a:schemeClr val="lt1"/>
+            </a:fontRef>
+          </p:style>
+          <p:txBody>
+            <a:bodyPr rtlCol="0" anchor="ctr"/>
+            <a:lstStyle/>
+            <a:p>
+              <a:pPr algn="ctr"/>
+              <a:endParaRPr lang="ko-KR" altLang="en-US"/>
+            </a:p>
+          </p:txBody>
+        </p:sp>
+        <p:sp>
+          <p:nvSpPr>
+            <p:cNvPr id="12" name="직사각형 11">
+              <a:extLst>
+                <a:ext uri="{FF2B5EF4-FFF2-40B4-BE49-F238E27FC236}">
+                  <a16:creationId xmlns:a16="http://schemas.microsoft.com/office/drawing/2014/main" id="{7EE1B497-CB2E-F56D-20C6-7DD964BC7A3C}"/>
+                </a:ext>
+              </a:extLst>
+            </p:cNvPr>
+            <p:cNvSpPr/>
+            <p:nvPr/>
+          </p:nvSpPr>
+          <p:spPr>
+            <a:xfrm>
+              <a:off x="2273970" y="2201289"/>
+              <a:ext cx="1532282" cy="368133"/>
+            </a:xfrm>
+            <a:prstGeom prst="rect">
+              <a:avLst/>
+            </a:prstGeom>
+            <a:noFill/>
+            <a:ln w="25400">
+              <a:solidFill>
+                <a:srgbClr val="0ABEFE"/>
+              </a:solidFill>
+            </a:ln>
+          </p:spPr>
+          <p:style>
+            <a:lnRef idx="2">
+              <a:schemeClr val="accent1">
+                <a:shade val="50000"/>
+              </a:schemeClr>
+            </a:lnRef>
+            <a:fillRef idx="1">
+              <a:schemeClr val="accent1"/>
+            </a:fillRef>
+            <a:effectRef idx="0">
+              <a:schemeClr val="accent1"/>
+            </a:effectRef>
+            <a:fontRef idx="minor">
+              <a:schemeClr val="lt1"/>
+            </a:fontRef>
+          </p:style>
+          <p:txBody>
+            <a:bodyPr rtlCol="0" anchor="ctr"/>
+            <a:lstStyle/>
+            <a:p>
+              <a:pPr algn="ctr"/>
+              <a:endParaRPr lang="ko-KR" altLang="en-US" dirty="0"/>
+            </a:p>
+          </p:txBody>
+        </p:sp>
+        <p:cxnSp>
+          <p:nvCxnSpPr>
+            <p:cNvPr id="6" name="직선 연결선 5">
+              <a:extLst>
+                <a:ext uri="{FF2B5EF4-FFF2-40B4-BE49-F238E27FC236}">
+                  <a16:creationId xmlns:a16="http://schemas.microsoft.com/office/drawing/2014/main" id="{08BB2EA2-70E7-22C3-B2B9-6CA7DC5FE3C5}"/>
+                </a:ext>
+              </a:extLst>
+            </p:cNvPr>
+            <p:cNvCxnSpPr>
+              <a:cxnSpLocks/>
+            </p:cNvCxnSpPr>
+            <p:nvPr/>
+          </p:nvCxnSpPr>
+          <p:spPr>
+            <a:xfrm>
+              <a:off x="6751983" y="793750"/>
+              <a:ext cx="0" cy="2057400"/>
+            </a:xfrm>
+            <a:prstGeom prst="line">
+              <a:avLst/>
+            </a:prstGeom>
+            <a:ln w="25400">
+              <a:solidFill>
+                <a:schemeClr val="tx1"/>
+              </a:solidFill>
+              <a:prstDash val="sysDash"/>
+            </a:ln>
+          </p:spPr>
+          <p:style>
+            <a:lnRef idx="1">
+              <a:schemeClr val="accent1"/>
+            </a:lnRef>
+            <a:fillRef idx="0">
+              <a:schemeClr val="accent1"/>
+            </a:fillRef>
+            <a:effectRef idx="0">
+              <a:schemeClr val="accent1"/>
+            </a:effectRef>
+            <a:fontRef idx="minor">
+              <a:schemeClr val="tx1"/>
+            </a:fontRef>
+          </p:style>
+        </p:cxnSp>
+        <mc:AlternateContent xmlns:mc="http://schemas.openxmlformats.org/markup-compatibility/2006">
+          <mc:Choice xmlns:a14="http://schemas.microsoft.com/office/drawing/2010/main" Requires="a14">
+            <p:sp>
+              <p:nvSpPr>
+                <p:cNvPr id="19" name="TextBox 18">
+                  <a:extLst>
+                    <a:ext uri="{FF2B5EF4-FFF2-40B4-BE49-F238E27FC236}">
+                      <a16:creationId xmlns:a16="http://schemas.microsoft.com/office/drawing/2014/main" id="{8FC1A25E-37FF-602C-8895-0039A9C85EC1}"/>
+                    </a:ext>
+                  </a:extLst>
+                </p:cNvPr>
+                <p:cNvSpPr txBox="1"/>
+                <p:nvPr/>
+              </p:nvSpPr>
+              <p:spPr>
+                <a:xfrm>
+                  <a:off x="6347969" y="855533"/>
+                  <a:ext cx="308994" cy="307777"/>
+                </a:xfrm>
+                <a:prstGeom prst="rect">
+                  <a:avLst/>
+                </a:prstGeom>
+                <a:noFill/>
+              </p:spPr>
+              <p:txBody>
+                <a:bodyPr wrap="none" rtlCol="0">
+                  <a:spAutoFit/>
+                </a:bodyPr>
+                <a:lstStyle/>
+                <a:p>
+                  <a14:m>
+                    <m:oMathPara xmlns:m="http://schemas.openxmlformats.org/officeDocument/2006/math">
+                      <m:oMathParaPr>
+                        <m:jc m:val="centerGroup"/>
+                      </m:oMathParaPr>
+                      <m:oMath xmlns:m="http://schemas.openxmlformats.org/officeDocument/2006/math">
+                        <m:r>
+                          <a:rPr lang="en-US" altLang="ko-KR" sz="1400" i="1" dirty="0" smtClean="0">
+                            <a:latin typeface="Cambria Math" panose="02040503050406030204" pitchFamily="18" charset="0"/>
+                          </a:rPr>
+                          <m:t>𝑖</m:t>
+                        </m:r>
+                      </m:oMath>
+                    </m:oMathPara>
+                  </a14:m>
+                  <a:endParaRPr lang="ko-KR" altLang="en-US" sz="1400" dirty="0"/>
+                </a:p>
+              </p:txBody>
+            </p:sp>
+          </mc:Choice>
+          <mc:Fallback>
+            <p:sp>
+              <p:nvSpPr>
+                <p:cNvPr id="19" name="TextBox 18">
+                  <a:extLst>
+                    <a:ext uri="{FF2B5EF4-FFF2-40B4-BE49-F238E27FC236}">
+                      <a16:creationId xmlns:a16="http://schemas.microsoft.com/office/drawing/2014/main" id="{8FC1A25E-37FF-602C-8895-0039A9C85EC1}"/>
+                    </a:ext>
+                  </a:extLst>
+                </p:cNvPr>
+                <p:cNvSpPr txBox="1">
+                  <a:spLocks noRot="1" noChangeAspect="1" noMove="1" noResize="1" noEditPoints="1" noAdjustHandles="1" noChangeArrowheads="1" noChangeShapeType="1" noTextEdit="1"/>
+                </p:cNvSpPr>
+                <p:nvPr/>
+              </p:nvSpPr>
+              <p:spPr>
+                <a:xfrm>
+                  <a:off x="6347969" y="855533"/>
+                  <a:ext cx="308994" cy="307777"/>
+                </a:xfrm>
+                <a:prstGeom prst="rect">
+                  <a:avLst/>
+                </a:prstGeom>
+                <a:blipFill>
+                  <a:blip r:embed="rId3"/>
+                  <a:stretch>
+                    <a:fillRect/>
+                  </a:stretch>
+                </a:blipFill>
+              </p:spPr>
+              <p:txBody>
+                <a:bodyPr/>
+                <a:lstStyle/>
+                <a:p>
+                  <a:r>
+                    <a:rPr lang="ko-KR" altLang="en-US">
+                      <a:noFill/>
+                    </a:rPr>
+                    <a:t> </a:t>
+                  </a:r>
+                </a:p>
+              </p:txBody>
+            </p:sp>
+          </mc:Fallback>
+        </mc:AlternateContent>
+        <mc:AlternateContent xmlns:mc="http://schemas.openxmlformats.org/markup-compatibility/2006">
+          <mc:Choice xmlns:a14="http://schemas.microsoft.com/office/drawing/2010/main" Requires="a14">
+            <p:sp>
+              <p:nvSpPr>
+                <p:cNvPr id="20" name="TextBox 19">
+                  <a:extLst>
+                    <a:ext uri="{FF2B5EF4-FFF2-40B4-BE49-F238E27FC236}">
+                      <a16:creationId xmlns:a16="http://schemas.microsoft.com/office/drawing/2014/main" id="{A1D5D8BA-B74E-71CE-7609-A927F08379EC}"/>
+                    </a:ext>
+                  </a:extLst>
+                </p:cNvPr>
+                <p:cNvSpPr txBox="1"/>
+                <p:nvPr/>
+              </p:nvSpPr>
+              <p:spPr>
+                <a:xfrm>
+                  <a:off x="1161937" y="1728339"/>
+                  <a:ext cx="1064522" cy="307777"/>
+                </a:xfrm>
+                <a:prstGeom prst="rect">
+                  <a:avLst/>
+                </a:prstGeom>
+                <a:noFill/>
+              </p:spPr>
+              <p:txBody>
+                <a:bodyPr wrap="none" rtlCol="0">
+                  <a:spAutoFit/>
+                </a:bodyPr>
+                <a:lstStyle/>
+                <a:p>
+                  <a14:m>
+                    <m:oMathPara xmlns:m="http://schemas.openxmlformats.org/officeDocument/2006/math">
+                      <m:oMathParaPr>
+                        <m:jc m:val="centerGroup"/>
+                      </m:oMathParaPr>
+                      <m:oMath xmlns:m="http://schemas.openxmlformats.org/officeDocument/2006/math">
+                        <m:r>
+                          <a:rPr lang="en-US" altLang="ko-KR" sz="1400" b="0" i="1" smtClean="0">
+                            <a:latin typeface="Cambria Math" panose="02040503050406030204" pitchFamily="18" charset="0"/>
+                          </a:rPr>
+                          <m:t>𝑓𝑎𝑖𝑙</m:t>
+                        </m:r>
+                        <m:r>
+                          <a:rPr lang="en-US" altLang="ko-KR" sz="1400" b="0" i="1" smtClean="0">
+                            <a:latin typeface="Cambria Math" panose="02040503050406030204" pitchFamily="18" charset="0"/>
+                          </a:rPr>
+                          <m:t>[</m:t>
+                        </m:r>
+                        <m:r>
+                          <a:rPr lang="en-US" altLang="ko-KR" sz="1400" b="0" i="1" smtClean="0">
+                            <a:latin typeface="Cambria Math" panose="02040503050406030204" pitchFamily="18" charset="0"/>
+                          </a:rPr>
+                          <m:t>𝑖</m:t>
+                        </m:r>
+                        <m:r>
+                          <a:rPr lang="en-US" altLang="ko-KR" sz="1400" b="0" i="1" smtClean="0">
+                            <a:latin typeface="Cambria Math" panose="02040503050406030204" pitchFamily="18" charset="0"/>
+                          </a:rPr>
+                          <m:t>+1]</m:t>
+                        </m:r>
+                      </m:oMath>
+                    </m:oMathPara>
+                  </a14:m>
+                  <a:endParaRPr lang="ko-KR" altLang="en-US" sz="1400" dirty="0"/>
+                </a:p>
+              </p:txBody>
+            </p:sp>
+          </mc:Choice>
+          <mc:Fallback>
+            <p:sp>
+              <p:nvSpPr>
+                <p:cNvPr id="20" name="TextBox 19">
+                  <a:extLst>
+                    <a:ext uri="{FF2B5EF4-FFF2-40B4-BE49-F238E27FC236}">
+                      <a16:creationId xmlns:a16="http://schemas.microsoft.com/office/drawing/2014/main" id="{A1D5D8BA-B74E-71CE-7609-A927F08379EC}"/>
+                    </a:ext>
+                  </a:extLst>
+                </p:cNvPr>
+                <p:cNvSpPr txBox="1">
+                  <a:spLocks noRot="1" noChangeAspect="1" noMove="1" noResize="1" noEditPoints="1" noAdjustHandles="1" noChangeArrowheads="1" noChangeShapeType="1" noTextEdit="1"/>
+                </p:cNvSpPr>
+                <p:nvPr/>
+              </p:nvSpPr>
+              <p:spPr>
+                <a:xfrm>
+                  <a:off x="1161937" y="1728339"/>
+                  <a:ext cx="1064522" cy="307777"/>
+                </a:xfrm>
+                <a:prstGeom prst="rect">
+                  <a:avLst/>
+                </a:prstGeom>
+                <a:blipFill>
+                  <a:blip r:embed="rId4"/>
+                  <a:stretch>
+                    <a:fillRect b="-12000"/>
+                  </a:stretch>
+                </a:blipFill>
+              </p:spPr>
+              <p:txBody>
+                <a:bodyPr/>
+                <a:lstStyle/>
+                <a:p>
+                  <a:r>
+                    <a:rPr lang="ko-KR" altLang="en-US">
+                      <a:noFill/>
+                    </a:rPr>
+                    <a:t> </a:t>
+                  </a:r>
+                </a:p>
+              </p:txBody>
+            </p:sp>
+          </mc:Fallback>
+        </mc:AlternateContent>
+        <mc:AlternateContent xmlns:mc="http://schemas.openxmlformats.org/markup-compatibility/2006">
+          <mc:Choice xmlns:a14="http://schemas.microsoft.com/office/drawing/2010/main" Requires="a14">
+            <p:sp>
+              <p:nvSpPr>
+                <p:cNvPr id="21" name="TextBox 20">
+                  <a:extLst>
+                    <a:ext uri="{FF2B5EF4-FFF2-40B4-BE49-F238E27FC236}">
+                      <a16:creationId xmlns:a16="http://schemas.microsoft.com/office/drawing/2014/main" id="{99D11F29-F400-C5E8-74D5-9A0CADD70CC8}"/>
+                    </a:ext>
+                  </a:extLst>
+                </p:cNvPr>
+                <p:cNvSpPr txBox="1"/>
+                <p:nvPr/>
+              </p:nvSpPr>
+              <p:spPr>
+                <a:xfrm>
+                  <a:off x="1161937" y="2231466"/>
+                  <a:ext cx="750718" cy="307777"/>
+                </a:xfrm>
+                <a:prstGeom prst="rect">
+                  <a:avLst/>
+                </a:prstGeom>
+                <a:noFill/>
+              </p:spPr>
+              <p:txBody>
+                <a:bodyPr wrap="none" rtlCol="0">
+                  <a:spAutoFit/>
+                </a:bodyPr>
+                <a:lstStyle/>
+                <a:p>
+                  <a14:m>
+                    <m:oMathPara xmlns:m="http://schemas.openxmlformats.org/officeDocument/2006/math">
+                      <m:oMathParaPr>
+                        <m:jc m:val="centerGroup"/>
+                      </m:oMathParaPr>
+                      <m:oMath xmlns:m="http://schemas.openxmlformats.org/officeDocument/2006/math">
+                        <m:r>
+                          <a:rPr lang="en-US" altLang="ko-KR" sz="1400" b="0" i="1" smtClean="0">
+                            <a:latin typeface="Cambria Math" panose="02040503050406030204" pitchFamily="18" charset="0"/>
+                          </a:rPr>
+                          <m:t>𝑓𝑎𝑖𝑙</m:t>
+                        </m:r>
+                        <m:r>
+                          <a:rPr lang="en-US" altLang="ko-KR" sz="1400" b="0" i="1" smtClean="0">
+                            <a:latin typeface="Cambria Math" panose="02040503050406030204" pitchFamily="18" charset="0"/>
+                          </a:rPr>
+                          <m:t>[</m:t>
+                        </m:r>
+                        <m:r>
+                          <a:rPr lang="en-US" altLang="ko-KR" sz="1400" b="0" i="1" smtClean="0">
+                            <a:latin typeface="Cambria Math" panose="02040503050406030204" pitchFamily="18" charset="0"/>
+                          </a:rPr>
+                          <m:t>𝑖</m:t>
+                        </m:r>
+                        <m:r>
+                          <a:rPr lang="en-US" altLang="ko-KR" sz="1400" b="0" i="1" smtClean="0">
+                            <a:latin typeface="Cambria Math" panose="02040503050406030204" pitchFamily="18" charset="0"/>
+                          </a:rPr>
+                          <m:t>]</m:t>
+                        </m:r>
+                      </m:oMath>
+                    </m:oMathPara>
+                  </a14:m>
+                  <a:endParaRPr lang="ko-KR" altLang="en-US" sz="1400" dirty="0"/>
+                </a:p>
+              </p:txBody>
+            </p:sp>
+          </mc:Choice>
+          <mc:Fallback>
+            <p:sp>
+              <p:nvSpPr>
+                <p:cNvPr id="21" name="TextBox 20">
+                  <a:extLst>
+                    <a:ext uri="{FF2B5EF4-FFF2-40B4-BE49-F238E27FC236}">
+                      <a16:creationId xmlns:a16="http://schemas.microsoft.com/office/drawing/2014/main" id="{99D11F29-F400-C5E8-74D5-9A0CADD70CC8}"/>
+                    </a:ext>
+                  </a:extLst>
+                </p:cNvPr>
+                <p:cNvSpPr txBox="1">
+                  <a:spLocks noRot="1" noChangeAspect="1" noMove="1" noResize="1" noEditPoints="1" noAdjustHandles="1" noChangeArrowheads="1" noChangeShapeType="1" noTextEdit="1"/>
+                </p:cNvSpPr>
+                <p:nvPr/>
+              </p:nvSpPr>
+              <p:spPr>
+                <a:xfrm>
+                  <a:off x="1161937" y="2231466"/>
+                  <a:ext cx="750718" cy="307777"/>
+                </a:xfrm>
+                <a:prstGeom prst="rect">
+                  <a:avLst/>
+                </a:prstGeom>
+                <a:blipFill>
+                  <a:blip r:embed="rId5"/>
+                  <a:stretch>
+                    <a:fillRect b="-11765"/>
+                  </a:stretch>
+                </a:blipFill>
+              </p:spPr>
+              <p:txBody>
+                <a:bodyPr/>
+                <a:lstStyle/>
+                <a:p>
+                  <a:r>
+                    <a:rPr lang="ko-KR" altLang="en-US">
+                      <a:noFill/>
+                    </a:rPr>
+                    <a:t> </a:t>
+                  </a:r>
+                </a:p>
+              </p:txBody>
+            </p:sp>
+          </mc:Fallback>
+        </mc:AlternateContent>
+      </p:grpSp>
+      <p:grpSp>
+        <p:nvGrpSpPr>
+          <p:cNvPr id="45" name="그룹 44">
+            <a:extLst>
+              <a:ext uri="{FF2B5EF4-FFF2-40B4-BE49-F238E27FC236}">
+                <a16:creationId xmlns:a16="http://schemas.microsoft.com/office/drawing/2014/main" id="{1F8E9C16-7A1E-D7D1-A498-E30B8EF17DF4}"/>
+              </a:ext>
+            </a:extLst>
+          </p:cNvPr>
+          <p:cNvGrpSpPr/>
+          <p:nvPr/>
+        </p:nvGrpSpPr>
+        <p:grpSpPr>
+          <a:xfrm>
+            <a:off x="3619834" y="2988177"/>
+            <a:ext cx="5518150" cy="2247900"/>
+            <a:chOff x="3619834" y="2988177"/>
+            <a:chExt cx="5518150" cy="2247900"/>
+          </a:xfrm>
+        </p:grpSpPr>
+        <p:sp>
+          <p:nvSpPr>
+            <p:cNvPr id="43" name="직사각형 42">
+              <a:extLst>
+                <a:ext uri="{FF2B5EF4-FFF2-40B4-BE49-F238E27FC236}">
+                  <a16:creationId xmlns:a16="http://schemas.microsoft.com/office/drawing/2014/main" id="{666F410F-BFF8-A160-5550-AE3467DA2BB5}"/>
+                </a:ext>
+              </a:extLst>
+            </p:cNvPr>
+            <p:cNvSpPr/>
+            <p:nvPr/>
+          </p:nvSpPr>
+          <p:spPr>
+            <a:xfrm>
+              <a:off x="3619834" y="2988177"/>
+              <a:ext cx="5518150" cy="2247900"/>
+            </a:xfrm>
+            <a:prstGeom prst="rect">
+              <a:avLst/>
+            </a:prstGeom>
+            <a:solidFill>
+              <a:schemeClr val="bg1"/>
+            </a:solidFill>
+            <a:ln>
+              <a:noFill/>
+            </a:ln>
+          </p:spPr>
+          <p:style>
+            <a:lnRef idx="2">
+              <a:schemeClr val="accent1">
+                <a:shade val="50000"/>
+              </a:schemeClr>
+            </a:lnRef>
+            <a:fillRef idx="1">
+              <a:schemeClr val="accent1"/>
+            </a:fillRef>
+            <a:effectRef idx="0">
+              <a:schemeClr val="accent1"/>
+            </a:effectRef>
+            <a:fontRef idx="minor">
+              <a:schemeClr val="lt1"/>
+            </a:fontRef>
+          </p:style>
+          <p:txBody>
+            <a:bodyPr rtlCol="0" anchor="ctr"/>
+            <a:lstStyle/>
+            <a:p>
+              <a:pPr algn="ctr"/>
+              <a:endParaRPr lang="ko-KR" altLang="en-US" dirty="0"/>
+            </a:p>
+          </p:txBody>
+        </p:sp>
+        <p:grpSp>
+          <p:nvGrpSpPr>
+            <p:cNvPr id="44" name="그룹 43">
+              <a:extLst>
+                <a:ext uri="{FF2B5EF4-FFF2-40B4-BE49-F238E27FC236}">
+                  <a16:creationId xmlns:a16="http://schemas.microsoft.com/office/drawing/2014/main" id="{4FB55F14-FDB6-F9C3-EC72-9CFA23B755EE}"/>
+                </a:ext>
+              </a:extLst>
+            </p:cNvPr>
+            <p:cNvGrpSpPr/>
+            <p:nvPr/>
+          </p:nvGrpSpPr>
+          <p:grpSpPr>
+            <a:xfrm>
+              <a:off x="3950369" y="3238499"/>
+              <a:ext cx="5020967" cy="1857101"/>
+              <a:chOff x="3950369" y="3238499"/>
+              <a:chExt cx="5020967" cy="1857101"/>
+            </a:xfrm>
+          </p:grpSpPr>
+          <p:sp>
+            <p:nvSpPr>
+              <p:cNvPr id="27" name="직사각형 26">
+                <a:extLst>
+                  <a:ext uri="{FF2B5EF4-FFF2-40B4-BE49-F238E27FC236}">
+                    <a16:creationId xmlns:a16="http://schemas.microsoft.com/office/drawing/2014/main" id="{565842DD-6F51-88E2-BFF0-30BFF4AA1C40}"/>
+                  </a:ext>
+                </a:extLst>
+              </p:cNvPr>
+              <p:cNvSpPr/>
+              <p:nvPr/>
+            </p:nvSpPr>
+            <p:spPr>
+              <a:xfrm>
+                <a:off x="3950369" y="3362827"/>
+                <a:ext cx="4857081" cy="368133"/>
+              </a:xfrm>
+              <a:prstGeom prst="rect">
+                <a:avLst/>
+              </a:prstGeom>
+              <a:noFill/>
+              <a:ln w="25400">
+                <a:solidFill>
+                  <a:srgbClr val="FF5BE0"/>
+                </a:solidFill>
+              </a:ln>
+            </p:spPr>
+            <p:style>
+              <a:lnRef idx="2">
+                <a:schemeClr val="accent1">
+                  <a:shade val="50000"/>
+                </a:schemeClr>
+              </a:lnRef>
+              <a:fillRef idx="1">
+                <a:schemeClr val="accent1"/>
+              </a:fillRef>
+              <a:effectRef idx="0">
+                <a:schemeClr val="accent1"/>
+              </a:effectRef>
+              <a:fontRef idx="minor">
+                <a:schemeClr val="lt1"/>
+              </a:fontRef>
+            </p:style>
+            <p:txBody>
+              <a:bodyPr rtlCol="0" anchor="ctr"/>
+              <a:lstStyle/>
+              <a:p>
+                <a:pPr algn="ctr"/>
+                <a:endParaRPr lang="ko-KR" altLang="en-US" dirty="0"/>
+              </a:p>
+            </p:txBody>
+          </p:sp>
+          <p:sp>
+            <p:nvSpPr>
+              <p:cNvPr id="28" name="직사각형 27">
+                <a:extLst>
+                  <a:ext uri="{FF2B5EF4-FFF2-40B4-BE49-F238E27FC236}">
+                    <a16:creationId xmlns:a16="http://schemas.microsoft.com/office/drawing/2014/main" id="{179E5DDD-69EF-9F1E-82FF-7DF1D61B179D}"/>
+                  </a:ext>
+                </a:extLst>
+              </p:cNvPr>
+              <p:cNvSpPr/>
+              <p:nvPr/>
+            </p:nvSpPr>
+            <p:spPr>
+              <a:xfrm>
+                <a:off x="3950370" y="3855454"/>
+                <a:ext cx="2724148" cy="368133"/>
+              </a:xfrm>
+              <a:prstGeom prst="rect">
+                <a:avLst/>
+              </a:prstGeom>
+              <a:noFill/>
+              <a:ln w="25400">
+                <a:solidFill>
+                  <a:srgbClr val="26E2A3"/>
+                </a:solidFill>
+              </a:ln>
+            </p:spPr>
+            <p:style>
+              <a:lnRef idx="2">
+                <a:schemeClr val="accent1">
+                  <a:shade val="50000"/>
+                </a:schemeClr>
+              </a:lnRef>
+              <a:fillRef idx="1">
+                <a:schemeClr val="accent1"/>
+              </a:fillRef>
+              <a:effectRef idx="0">
+                <a:schemeClr val="accent1"/>
+              </a:effectRef>
+              <a:fontRef idx="minor">
+                <a:schemeClr val="lt1"/>
+              </a:fontRef>
+            </p:style>
+            <p:txBody>
+              <a:bodyPr rtlCol="0" anchor="ctr"/>
+              <a:lstStyle/>
+              <a:p>
+                <a:pPr algn="ctr"/>
+                <a:endParaRPr lang="ko-KR" altLang="en-US"/>
+              </a:p>
+            </p:txBody>
+          </p:sp>
+          <p:sp>
+            <p:nvSpPr>
+              <p:cNvPr id="29" name="직사각형 28">
+                <a:extLst>
+                  <a:ext uri="{FF2B5EF4-FFF2-40B4-BE49-F238E27FC236}">
+                    <a16:creationId xmlns:a16="http://schemas.microsoft.com/office/drawing/2014/main" id="{EA9AA80A-23C5-B00B-FFA3-2DF601410094}"/>
+                  </a:ext>
+                </a:extLst>
+              </p:cNvPr>
+              <p:cNvSpPr/>
+              <p:nvPr/>
+            </p:nvSpPr>
+            <p:spPr>
+              <a:xfrm>
+                <a:off x="6083302" y="4287416"/>
+                <a:ext cx="2724148" cy="368133"/>
+              </a:xfrm>
+              <a:prstGeom prst="rect">
+                <a:avLst/>
+              </a:prstGeom>
+              <a:noFill/>
+              <a:ln w="25400">
+                <a:solidFill>
+                  <a:srgbClr val="26E2A3"/>
+                </a:solidFill>
+              </a:ln>
+            </p:spPr>
+            <p:style>
+              <a:lnRef idx="2">
+                <a:schemeClr val="accent1">
+                  <a:shade val="50000"/>
+                </a:schemeClr>
+              </a:lnRef>
+              <a:fillRef idx="1">
+                <a:schemeClr val="accent1"/>
+              </a:fillRef>
+              <a:effectRef idx="0">
+                <a:schemeClr val="accent1"/>
+              </a:effectRef>
+              <a:fontRef idx="minor">
+                <a:schemeClr val="lt1"/>
+              </a:fontRef>
+            </p:style>
+            <p:txBody>
+              <a:bodyPr rtlCol="0" anchor="ctr"/>
+              <a:lstStyle/>
+              <a:p>
+                <a:pPr algn="ctr"/>
+                <a:endParaRPr lang="ko-KR" altLang="en-US"/>
+              </a:p>
+            </p:txBody>
+          </p:sp>
+          <p:sp>
+            <p:nvSpPr>
+              <p:cNvPr id="30" name="직사각형 29">
+                <a:extLst>
+                  <a:ext uri="{FF2B5EF4-FFF2-40B4-BE49-F238E27FC236}">
+                    <a16:creationId xmlns:a16="http://schemas.microsoft.com/office/drawing/2014/main" id="{39433ABE-F320-AD70-B1A9-DC13EDF15AD7}"/>
+                  </a:ext>
+                </a:extLst>
+              </p:cNvPr>
+              <p:cNvSpPr/>
+              <p:nvPr/>
+            </p:nvSpPr>
+            <p:spPr>
+              <a:xfrm>
+                <a:off x="4000500" y="3900199"/>
+                <a:ext cx="1073150" cy="278642"/>
+              </a:xfrm>
+              <a:prstGeom prst="rect">
+                <a:avLst/>
+              </a:prstGeom>
+              <a:noFill/>
+              <a:ln w="25400">
+                <a:solidFill>
+                  <a:srgbClr val="0ABEFE"/>
+                </a:solidFill>
+              </a:ln>
+            </p:spPr>
+            <p:style>
+              <a:lnRef idx="2">
+                <a:schemeClr val="accent1">
+                  <a:shade val="50000"/>
+                </a:schemeClr>
+              </a:lnRef>
+              <a:fillRef idx="1">
+                <a:schemeClr val="accent1"/>
+              </a:fillRef>
+              <a:effectRef idx="0">
+                <a:schemeClr val="accent1"/>
+              </a:effectRef>
+              <a:fontRef idx="minor">
+                <a:schemeClr val="lt1"/>
+              </a:fontRef>
+            </p:style>
+            <p:txBody>
+              <a:bodyPr rtlCol="0" anchor="ctr"/>
+              <a:lstStyle/>
+              <a:p>
+                <a:pPr algn="ctr"/>
+                <a:endParaRPr lang="ko-KR" altLang="en-US"/>
+              </a:p>
+            </p:txBody>
+          </p:sp>
+          <p:sp>
+            <p:nvSpPr>
+              <p:cNvPr id="31" name="직사각형 30">
+                <a:extLst>
+                  <a:ext uri="{FF2B5EF4-FFF2-40B4-BE49-F238E27FC236}">
+                    <a16:creationId xmlns:a16="http://schemas.microsoft.com/office/drawing/2014/main" id="{BCE0870F-8960-46F7-433E-62F1AE537C3A}"/>
+                  </a:ext>
+                </a:extLst>
+              </p:cNvPr>
+              <p:cNvSpPr/>
+              <p:nvPr/>
+            </p:nvSpPr>
+            <p:spPr>
+              <a:xfrm>
+                <a:off x="5546727" y="3900199"/>
+                <a:ext cx="1073150" cy="278642"/>
+              </a:xfrm>
+              <a:prstGeom prst="rect">
+                <a:avLst/>
+              </a:prstGeom>
+              <a:noFill/>
+              <a:ln w="25400">
+                <a:solidFill>
+                  <a:srgbClr val="0ABEFE"/>
+                </a:solidFill>
+              </a:ln>
+            </p:spPr>
+            <p:style>
+              <a:lnRef idx="2">
+                <a:schemeClr val="accent1">
+                  <a:shade val="50000"/>
+                </a:schemeClr>
+              </a:lnRef>
+              <a:fillRef idx="1">
+                <a:schemeClr val="accent1"/>
+              </a:fillRef>
+              <a:effectRef idx="0">
+                <a:schemeClr val="accent1"/>
+              </a:effectRef>
+              <a:fontRef idx="minor">
+                <a:schemeClr val="lt1"/>
+              </a:fontRef>
+            </p:style>
+            <p:txBody>
+              <a:bodyPr rtlCol="0" anchor="ctr"/>
+              <a:lstStyle/>
+              <a:p>
+                <a:pPr algn="ctr"/>
+                <a:endParaRPr lang="ko-KR" altLang="en-US"/>
+              </a:p>
+            </p:txBody>
+          </p:sp>
+          <p:sp>
+            <p:nvSpPr>
+              <p:cNvPr id="32" name="직사각형 31">
+                <a:extLst>
+                  <a:ext uri="{FF2B5EF4-FFF2-40B4-BE49-F238E27FC236}">
+                    <a16:creationId xmlns:a16="http://schemas.microsoft.com/office/drawing/2014/main" id="{6AC2CF14-9E96-93CD-1A1C-9154AF9AAEA2}"/>
+                  </a:ext>
+                </a:extLst>
+              </p:cNvPr>
+              <p:cNvSpPr/>
+              <p:nvPr/>
+            </p:nvSpPr>
+            <p:spPr>
+              <a:xfrm>
+                <a:off x="6137943" y="4332161"/>
+                <a:ext cx="1073150" cy="278642"/>
+              </a:xfrm>
+              <a:prstGeom prst="rect">
+                <a:avLst/>
+              </a:prstGeom>
+              <a:noFill/>
+              <a:ln w="25400">
+                <a:solidFill>
+                  <a:srgbClr val="0ABEFE"/>
+                </a:solidFill>
+              </a:ln>
+            </p:spPr>
+            <p:style>
+              <a:lnRef idx="2">
+                <a:schemeClr val="accent1">
+                  <a:shade val="50000"/>
+                </a:schemeClr>
+              </a:lnRef>
+              <a:fillRef idx="1">
+                <a:schemeClr val="accent1"/>
+              </a:fillRef>
+              <a:effectRef idx="0">
+                <a:schemeClr val="accent1"/>
+              </a:effectRef>
+              <a:fontRef idx="minor">
+                <a:schemeClr val="lt1"/>
+              </a:fontRef>
+            </p:style>
+            <p:txBody>
+              <a:bodyPr rtlCol="0" anchor="ctr"/>
+              <a:lstStyle/>
+              <a:p>
+                <a:pPr algn="ctr"/>
+                <a:endParaRPr lang="ko-KR" altLang="en-US"/>
+              </a:p>
+            </p:txBody>
+          </p:sp>
+          <p:sp>
+            <p:nvSpPr>
+              <p:cNvPr id="34" name="직사각형 33">
+                <a:extLst>
+                  <a:ext uri="{FF2B5EF4-FFF2-40B4-BE49-F238E27FC236}">
+                    <a16:creationId xmlns:a16="http://schemas.microsoft.com/office/drawing/2014/main" id="{08E1538E-14C2-A24F-71CF-FD5D1A066EA9}"/>
+                  </a:ext>
+                </a:extLst>
+              </p:cNvPr>
+              <p:cNvSpPr/>
+              <p:nvPr/>
+            </p:nvSpPr>
+            <p:spPr>
+              <a:xfrm>
+                <a:off x="7681293" y="4332161"/>
+                <a:ext cx="1073150" cy="278642"/>
+              </a:xfrm>
+              <a:prstGeom prst="rect">
+                <a:avLst/>
+              </a:prstGeom>
+              <a:noFill/>
+              <a:ln w="25400">
+                <a:solidFill>
+                  <a:srgbClr val="0ABEFE"/>
+                </a:solidFill>
+              </a:ln>
+            </p:spPr>
+            <p:style>
+              <a:lnRef idx="2">
+                <a:schemeClr val="accent1">
+                  <a:shade val="50000"/>
+                </a:schemeClr>
+              </a:lnRef>
+              <a:fillRef idx="1">
+                <a:schemeClr val="accent1"/>
+              </a:fillRef>
+              <a:effectRef idx="0">
+                <a:schemeClr val="accent1"/>
+              </a:effectRef>
+              <a:fontRef idx="minor">
+                <a:schemeClr val="lt1"/>
+              </a:fontRef>
+            </p:style>
+            <p:txBody>
+              <a:bodyPr rtlCol="0" anchor="ctr"/>
+              <a:lstStyle/>
+              <a:p>
+                <a:pPr algn="ctr"/>
+                <a:endParaRPr lang="ko-KR" altLang="en-US"/>
+              </a:p>
+            </p:txBody>
+          </p:sp>
+          <mc:AlternateContent xmlns:mc="http://schemas.openxmlformats.org/markup-compatibility/2006">
+            <mc:Choice xmlns:a14="http://schemas.microsoft.com/office/drawing/2010/main" Requires="a14">
+              <p:sp>
+                <p:nvSpPr>
+                  <p:cNvPr id="36" name="TextBox 35">
+                    <a:extLst>
+                      <a:ext uri="{FF2B5EF4-FFF2-40B4-BE49-F238E27FC236}">
+                        <a16:creationId xmlns:a16="http://schemas.microsoft.com/office/drawing/2014/main" id="{EC63E16D-8CDD-7F73-C870-E14997ADFA92}"/>
+                      </a:ext>
+                    </a:extLst>
+                  </p:cNvPr>
+                  <p:cNvSpPr txBox="1"/>
+                  <p:nvPr/>
+                </p:nvSpPr>
+                <p:spPr>
+                  <a:xfrm>
+                    <a:off x="4477108" y="4768792"/>
+                    <a:ext cx="1193084" cy="307777"/>
+                  </a:xfrm>
+                  <a:prstGeom prst="rect">
+                    <a:avLst/>
+                  </a:prstGeom>
+                  <a:noFill/>
+                </p:spPr>
+                <p:txBody>
+                  <a:bodyPr wrap="none" rtlCol="0">
+                    <a:spAutoFit/>
+                  </a:bodyPr>
+                  <a:lstStyle/>
+                  <a:p>
+                    <a14:m>
+                      <m:oMathPara xmlns:m="http://schemas.openxmlformats.org/officeDocument/2006/math">
+                        <m:oMathParaPr>
+                          <m:jc m:val="centerGroup"/>
+                        </m:oMathParaPr>
+                        <m:oMath xmlns:m="http://schemas.openxmlformats.org/officeDocument/2006/math">
+                          <m:r>
+                            <a:rPr lang="en-US" altLang="ko-KR" sz="1400" b="0" i="1" smtClean="0">
+                              <a:latin typeface="Cambria Math" panose="02040503050406030204" pitchFamily="18" charset="0"/>
+                            </a:rPr>
+                            <m:t>𝑓𝑎𝑖𝑙</m:t>
+                          </m:r>
+                          <m:r>
+                            <a:rPr lang="en-US" altLang="ko-KR" sz="1400" b="0" i="1" smtClean="0">
+                              <a:latin typeface="Cambria Math" panose="02040503050406030204" pitchFamily="18" charset="0"/>
+                            </a:rPr>
+                            <m:t>[</m:t>
+                          </m:r>
+                          <m:r>
+                            <a:rPr lang="en-US" altLang="ko-KR" sz="1400" b="0" i="1" smtClean="0">
+                              <a:latin typeface="Cambria Math" panose="02040503050406030204" pitchFamily="18" charset="0"/>
+                            </a:rPr>
+                            <m:t>𝑓𝑎𝑖𝑙</m:t>
+                          </m:r>
+                          <m:d>
+                            <m:dPr>
+                              <m:begChr m:val="["/>
+                              <m:endChr m:val="]"/>
+                              <m:ctrlPr>
+                                <a:rPr lang="en-US" altLang="ko-KR" sz="1400" b="0" i="1" smtClean="0">
+                                  <a:latin typeface="Cambria Math" panose="02040503050406030204" pitchFamily="18" charset="0"/>
+                                </a:rPr>
+                              </m:ctrlPr>
+                            </m:dPr>
+                            <m:e>
+                              <m:r>
+                                <a:rPr lang="en-US" altLang="ko-KR" sz="1400" b="0" i="1" smtClean="0">
+                                  <a:latin typeface="Cambria Math" panose="02040503050406030204" pitchFamily="18" charset="0"/>
+                                </a:rPr>
+                                <m:t>𝑖</m:t>
+                              </m:r>
+                            </m:e>
+                          </m:d>
+                          <m:r>
+                            <a:rPr lang="en-US" altLang="ko-KR" sz="1400" b="0" i="1" smtClean="0">
+                              <a:latin typeface="Cambria Math" panose="02040503050406030204" pitchFamily="18" charset="0"/>
+                            </a:rPr>
+                            <m:t>]</m:t>
+                          </m:r>
+                        </m:oMath>
+                      </m:oMathPara>
+                    </a14:m>
+                    <a:endParaRPr lang="ko-KR" altLang="en-US" sz="1400" dirty="0"/>
+                  </a:p>
+                </p:txBody>
+              </p:sp>
+            </mc:Choice>
+            <mc:Fallback>
+              <p:sp>
+                <p:nvSpPr>
+                  <p:cNvPr id="36" name="TextBox 35">
+                    <a:extLst>
+                      <a:ext uri="{FF2B5EF4-FFF2-40B4-BE49-F238E27FC236}">
+                        <a16:creationId xmlns:a16="http://schemas.microsoft.com/office/drawing/2014/main" id="{EC63E16D-8CDD-7F73-C870-E14997ADFA92}"/>
+                      </a:ext>
+                    </a:extLst>
+                  </p:cNvPr>
+                  <p:cNvSpPr txBox="1">
+                    <a:spLocks noRot="1" noChangeAspect="1" noMove="1" noResize="1" noEditPoints="1" noAdjustHandles="1" noChangeArrowheads="1" noChangeShapeType="1" noTextEdit="1"/>
+                  </p:cNvSpPr>
+                  <p:nvPr/>
+                </p:nvSpPr>
+                <p:spPr>
+                  <a:xfrm>
+                    <a:off x="4477108" y="4768792"/>
+                    <a:ext cx="1193084" cy="307777"/>
+                  </a:xfrm>
+                  <a:prstGeom prst="rect">
+                    <a:avLst/>
+                  </a:prstGeom>
+                  <a:blipFill>
+                    <a:blip r:embed="rId6"/>
+                    <a:stretch>
+                      <a:fillRect b="-11765"/>
+                    </a:stretch>
+                  </a:blipFill>
+                </p:spPr>
+                <p:txBody>
+                  <a:bodyPr/>
+                  <a:lstStyle/>
+                  <a:p>
+                    <a:r>
+                      <a:rPr lang="ko-KR" altLang="en-US">
+                        <a:noFill/>
+                      </a:rPr>
+                      <a:t> </a:t>
+                    </a:r>
+                  </a:p>
+                </p:txBody>
+              </p:sp>
+            </mc:Fallback>
+          </mc:AlternateContent>
+          <mc:AlternateContent xmlns:mc="http://schemas.openxmlformats.org/markup-compatibility/2006">
+            <mc:Choice xmlns:a14="http://schemas.microsoft.com/office/drawing/2010/main" Requires="a14">
+              <p:sp>
+                <p:nvSpPr>
+                  <p:cNvPr id="37" name="TextBox 36">
+                    <a:extLst>
+                      <a:ext uri="{FF2B5EF4-FFF2-40B4-BE49-F238E27FC236}">
+                        <a16:creationId xmlns:a16="http://schemas.microsoft.com/office/drawing/2014/main" id="{1F423DAC-9597-A574-980A-F15A364D33C6}"/>
+                      </a:ext>
+                    </a:extLst>
+                  </p:cNvPr>
+                  <p:cNvSpPr txBox="1"/>
+                  <p:nvPr/>
+                </p:nvSpPr>
+                <p:spPr>
+                  <a:xfrm>
+                    <a:off x="6299159" y="4787823"/>
+                    <a:ext cx="750718" cy="307777"/>
+                  </a:xfrm>
+                  <a:prstGeom prst="rect">
+                    <a:avLst/>
+                  </a:prstGeom>
+                  <a:noFill/>
+                </p:spPr>
+                <p:txBody>
+                  <a:bodyPr wrap="none" rtlCol="0">
+                    <a:spAutoFit/>
+                  </a:bodyPr>
+                  <a:lstStyle/>
+                  <a:p>
+                    <a14:m>
+                      <m:oMathPara xmlns:m="http://schemas.openxmlformats.org/officeDocument/2006/math">
+                        <m:oMathParaPr>
+                          <m:jc m:val="centerGroup"/>
+                        </m:oMathParaPr>
+                        <m:oMath xmlns:m="http://schemas.openxmlformats.org/officeDocument/2006/math">
+                          <m:r>
+                            <a:rPr lang="en-US" altLang="ko-KR" sz="1400" b="0" i="1" smtClean="0">
+                              <a:latin typeface="Cambria Math" panose="02040503050406030204" pitchFamily="18" charset="0"/>
+                            </a:rPr>
+                            <m:t>𝑓𝑎𝑖𝑙</m:t>
+                          </m:r>
+                          <m:r>
+                            <a:rPr lang="en-US" altLang="ko-KR" sz="1400" b="0" i="1" smtClean="0">
+                              <a:latin typeface="Cambria Math" panose="02040503050406030204" pitchFamily="18" charset="0"/>
+                            </a:rPr>
+                            <m:t>[</m:t>
+                          </m:r>
+                          <m:r>
+                            <a:rPr lang="en-US" altLang="ko-KR" sz="1400" b="0" i="1" smtClean="0">
+                              <a:latin typeface="Cambria Math" panose="02040503050406030204" pitchFamily="18" charset="0"/>
+                            </a:rPr>
+                            <m:t>𝑖</m:t>
+                          </m:r>
+                          <m:r>
+                            <a:rPr lang="en-US" altLang="ko-KR" sz="1400" b="0" i="1" smtClean="0">
+                              <a:latin typeface="Cambria Math" panose="02040503050406030204" pitchFamily="18" charset="0"/>
+                            </a:rPr>
+                            <m:t>]</m:t>
+                          </m:r>
+                        </m:oMath>
+                      </m:oMathPara>
+                    </a14:m>
+                    <a:endParaRPr lang="ko-KR" altLang="en-US" sz="1400" dirty="0"/>
+                  </a:p>
+                </p:txBody>
+              </p:sp>
+            </mc:Choice>
+            <mc:Fallback>
+              <p:sp>
+                <p:nvSpPr>
+                  <p:cNvPr id="37" name="TextBox 36">
+                    <a:extLst>
+                      <a:ext uri="{FF2B5EF4-FFF2-40B4-BE49-F238E27FC236}">
+                        <a16:creationId xmlns:a16="http://schemas.microsoft.com/office/drawing/2014/main" id="{1F423DAC-9597-A574-980A-F15A364D33C6}"/>
+                      </a:ext>
+                    </a:extLst>
+                  </p:cNvPr>
+                  <p:cNvSpPr txBox="1">
+                    <a:spLocks noRot="1" noChangeAspect="1" noMove="1" noResize="1" noEditPoints="1" noAdjustHandles="1" noChangeArrowheads="1" noChangeShapeType="1" noTextEdit="1"/>
+                  </p:cNvSpPr>
+                  <p:nvPr/>
+                </p:nvSpPr>
+                <p:spPr>
+                  <a:xfrm>
+                    <a:off x="6299159" y="4787823"/>
+                    <a:ext cx="750718" cy="307777"/>
+                  </a:xfrm>
+                  <a:prstGeom prst="rect">
+                    <a:avLst/>
+                  </a:prstGeom>
+                  <a:blipFill>
+                    <a:blip r:embed="rId5"/>
+                    <a:stretch>
+                      <a:fillRect b="-11765"/>
+                    </a:stretch>
+                  </a:blipFill>
+                </p:spPr>
+                <p:txBody>
+                  <a:bodyPr/>
+                  <a:lstStyle/>
+                  <a:p>
+                    <a:r>
+                      <a:rPr lang="ko-KR" altLang="en-US">
+                        <a:noFill/>
+                      </a:rPr>
+                      <a:t> </a:t>
+                    </a:r>
+                  </a:p>
+                </p:txBody>
+              </p:sp>
+            </mc:Fallback>
+          </mc:AlternateContent>
+          <mc:AlternateContent xmlns:mc="http://schemas.openxmlformats.org/markup-compatibility/2006">
+            <mc:Choice xmlns:a14="http://schemas.microsoft.com/office/drawing/2010/main" Requires="a14">
+              <p:sp>
+                <p:nvSpPr>
+                  <p:cNvPr id="38" name="TextBox 37">
+                    <a:extLst>
+                      <a:ext uri="{FF2B5EF4-FFF2-40B4-BE49-F238E27FC236}">
+                        <a16:creationId xmlns:a16="http://schemas.microsoft.com/office/drawing/2014/main" id="{E3DB3E55-D66A-2FFA-905A-EBF78601092A}"/>
+                      </a:ext>
+                    </a:extLst>
+                  </p:cNvPr>
+                  <p:cNvSpPr txBox="1"/>
+                  <p:nvPr/>
+                </p:nvSpPr>
+                <p:spPr>
+                  <a:xfrm>
+                    <a:off x="8662341" y="4787823"/>
+                    <a:ext cx="308995" cy="307777"/>
+                  </a:xfrm>
+                  <a:prstGeom prst="rect">
+                    <a:avLst/>
+                  </a:prstGeom>
+                  <a:noFill/>
+                </p:spPr>
+                <p:txBody>
+                  <a:bodyPr wrap="none" rtlCol="0">
+                    <a:spAutoFit/>
+                  </a:bodyPr>
+                  <a:lstStyle/>
+                  <a:p>
+                    <a14:m>
+                      <m:oMathPara xmlns:m="http://schemas.openxmlformats.org/officeDocument/2006/math">
+                        <m:oMathParaPr>
+                          <m:jc m:val="centerGroup"/>
+                        </m:oMathParaPr>
+                        <m:oMath xmlns:m="http://schemas.openxmlformats.org/officeDocument/2006/math">
+                          <m:r>
+                            <a:rPr lang="en-US" altLang="ko-KR" sz="1400" b="0" i="1" smtClean="0">
+                              <a:latin typeface="Cambria Math" panose="02040503050406030204" pitchFamily="18" charset="0"/>
+                            </a:rPr>
+                            <m:t>𝑖</m:t>
+                          </m:r>
+                        </m:oMath>
+                      </m:oMathPara>
+                    </a14:m>
+                    <a:endParaRPr lang="ko-KR" altLang="en-US" sz="1400" dirty="0"/>
+                  </a:p>
+                </p:txBody>
+              </p:sp>
+            </mc:Choice>
+            <mc:Fallback>
+              <p:sp>
+                <p:nvSpPr>
+                  <p:cNvPr id="38" name="TextBox 37">
+                    <a:extLst>
+                      <a:ext uri="{FF2B5EF4-FFF2-40B4-BE49-F238E27FC236}">
+                        <a16:creationId xmlns:a16="http://schemas.microsoft.com/office/drawing/2014/main" id="{E3DB3E55-D66A-2FFA-905A-EBF78601092A}"/>
+                      </a:ext>
+                    </a:extLst>
+                  </p:cNvPr>
+                  <p:cNvSpPr txBox="1">
+                    <a:spLocks noRot="1" noChangeAspect="1" noMove="1" noResize="1" noEditPoints="1" noAdjustHandles="1" noChangeArrowheads="1" noChangeShapeType="1" noTextEdit="1"/>
+                  </p:cNvSpPr>
+                  <p:nvPr/>
+                </p:nvSpPr>
+                <p:spPr>
+                  <a:xfrm>
+                    <a:off x="8662341" y="4787823"/>
+                    <a:ext cx="308995" cy="307777"/>
+                  </a:xfrm>
+                  <a:prstGeom prst="rect">
+                    <a:avLst/>
+                  </a:prstGeom>
+                  <a:blipFill>
+                    <a:blip r:embed="rId7"/>
+                    <a:stretch>
+                      <a:fillRect/>
+                    </a:stretch>
+                  </a:blipFill>
+                </p:spPr>
+                <p:txBody>
+                  <a:bodyPr/>
+                  <a:lstStyle/>
+                  <a:p>
+                    <a:r>
+                      <a:rPr lang="ko-KR" altLang="en-US">
+                        <a:noFill/>
+                      </a:rPr>
+                      <a:t> </a:t>
+                    </a:r>
+                  </a:p>
+                </p:txBody>
+              </p:sp>
+            </mc:Fallback>
+          </mc:AlternateContent>
+          <p:cxnSp>
+            <p:nvCxnSpPr>
+              <p:cNvPr id="39" name="직선 연결선 38">
+                <a:extLst>
+                  <a:ext uri="{FF2B5EF4-FFF2-40B4-BE49-F238E27FC236}">
+                    <a16:creationId xmlns:a16="http://schemas.microsoft.com/office/drawing/2014/main" id="{A420D4B6-F220-1D68-D461-B028EE99A32D}"/>
+                  </a:ext>
+                </a:extLst>
+              </p:cNvPr>
+              <p:cNvCxnSpPr>
+                <a:cxnSpLocks/>
+              </p:cNvCxnSpPr>
+              <p:nvPr/>
+            </p:nvCxnSpPr>
+            <p:spPr>
+              <a:xfrm>
+                <a:off x="5073650" y="3238500"/>
+                <a:ext cx="0" cy="1549323"/>
+              </a:xfrm>
+              <a:prstGeom prst="line">
+                <a:avLst/>
+              </a:prstGeom>
+              <a:ln w="25400">
+                <a:solidFill>
+                  <a:schemeClr val="tx1"/>
+                </a:solidFill>
+                <a:prstDash val="sysDash"/>
+              </a:ln>
+            </p:spPr>
+            <p:style>
+              <a:lnRef idx="1">
+                <a:schemeClr val="accent1"/>
+              </a:lnRef>
+              <a:fillRef idx="0">
+                <a:schemeClr val="accent1"/>
+              </a:fillRef>
+              <a:effectRef idx="0">
+                <a:schemeClr val="accent1"/>
+              </a:effectRef>
+              <a:fontRef idx="minor">
+                <a:schemeClr val="tx1"/>
+              </a:fontRef>
+            </p:style>
+          </p:cxnSp>
+          <p:cxnSp>
+            <p:nvCxnSpPr>
+              <p:cNvPr id="41" name="직선 연결선 40">
+                <a:extLst>
+                  <a:ext uri="{FF2B5EF4-FFF2-40B4-BE49-F238E27FC236}">
+                    <a16:creationId xmlns:a16="http://schemas.microsoft.com/office/drawing/2014/main" id="{A32059B7-B114-5CAF-41D5-6C0EDB2B655F}"/>
+                  </a:ext>
+                </a:extLst>
+              </p:cNvPr>
+              <p:cNvCxnSpPr>
+                <a:cxnSpLocks/>
+              </p:cNvCxnSpPr>
+              <p:nvPr/>
+            </p:nvCxnSpPr>
+            <p:spPr>
+              <a:xfrm>
+                <a:off x="6674518" y="3238500"/>
+                <a:ext cx="0" cy="1549323"/>
+              </a:xfrm>
+              <a:prstGeom prst="line">
+                <a:avLst/>
+              </a:prstGeom>
+              <a:ln w="25400">
+                <a:solidFill>
+                  <a:schemeClr val="tx1"/>
+                </a:solidFill>
+                <a:prstDash val="sysDash"/>
+              </a:ln>
+            </p:spPr>
+            <p:style>
+              <a:lnRef idx="1">
+                <a:schemeClr val="accent1"/>
+              </a:lnRef>
+              <a:fillRef idx="0">
+                <a:schemeClr val="accent1"/>
+              </a:fillRef>
+              <a:effectRef idx="0">
+                <a:schemeClr val="accent1"/>
+              </a:effectRef>
+              <a:fontRef idx="minor">
+                <a:schemeClr val="tx1"/>
+              </a:fontRef>
+            </p:style>
+          </p:cxnSp>
+          <p:cxnSp>
+            <p:nvCxnSpPr>
+              <p:cNvPr id="42" name="직선 연결선 41">
+                <a:extLst>
+                  <a:ext uri="{FF2B5EF4-FFF2-40B4-BE49-F238E27FC236}">
+                    <a16:creationId xmlns:a16="http://schemas.microsoft.com/office/drawing/2014/main" id="{6F081902-A189-671D-4909-E2BA2D9CA3DF}"/>
+                  </a:ext>
+                </a:extLst>
+              </p:cNvPr>
+              <p:cNvCxnSpPr>
+                <a:cxnSpLocks/>
+              </p:cNvCxnSpPr>
+              <p:nvPr/>
+            </p:nvCxnSpPr>
+            <p:spPr>
+              <a:xfrm>
+                <a:off x="8807450" y="3238499"/>
+                <a:ext cx="0" cy="1549323"/>
+              </a:xfrm>
+              <a:prstGeom prst="line">
+                <a:avLst/>
+              </a:prstGeom>
+              <a:ln w="25400">
+                <a:solidFill>
+                  <a:schemeClr val="tx1"/>
+                </a:solidFill>
+                <a:prstDash val="sysDash"/>
+              </a:ln>
+            </p:spPr>
+            <p:style>
+              <a:lnRef idx="1">
+                <a:schemeClr val="accent1"/>
+              </a:lnRef>
+              <a:fillRef idx="0">
+                <a:schemeClr val="accent1"/>
+              </a:fillRef>
+              <a:effectRef idx="0">
+                <a:schemeClr val="accent1"/>
+              </a:effectRef>
+              <a:fontRef idx="minor">
+                <a:schemeClr val="tx1"/>
+              </a:fontRef>
+            </p:style>
+          </p:cxnSp>
+        </p:grpSp>
+      </p:grpSp>
+    </p:spTree>
+    <p:extLst>
+      <p:ext uri="{BB962C8B-B14F-4D97-AF65-F5344CB8AC3E}">
+        <p14:creationId xmlns:p14="http://schemas.microsoft.com/office/powerpoint/2010/main" val="4135633846"/>
       </p:ext>
     </p:extLst>
   </p:cSld>
